--- a/Presentation/4 Ways to Prevent Code Abuse.pptx
+++ b/Presentation/4 Ways to Prevent Code Abuse.pptx
@@ -5,7 +5,7 @@
     <p:sldMasterId id="2147483660" r:id="rId1"/>
   </p:sldMasterIdLst>
   <p:notesMasterIdLst>
-    <p:notesMasterId r:id="rId14"/>
+    <p:notesMasterId r:id="rId16"/>
   </p:notesMasterIdLst>
   <p:sldIdLst>
     <p:sldId id="256" r:id="rId2"/>
@@ -16,10 +16,12 @@
     <p:sldId id="261" r:id="rId7"/>
     <p:sldId id="262" r:id="rId8"/>
     <p:sldId id="271" r:id="rId9"/>
-    <p:sldId id="263" r:id="rId10"/>
-    <p:sldId id="275" r:id="rId11"/>
-    <p:sldId id="274" r:id="rId12"/>
-    <p:sldId id="277" r:id="rId13"/>
+    <p:sldId id="281" r:id="rId10"/>
+    <p:sldId id="263" r:id="rId11"/>
+    <p:sldId id="275" r:id="rId12"/>
+    <p:sldId id="274" r:id="rId13"/>
+    <p:sldId id="280" r:id="rId14"/>
+    <p:sldId id="277" r:id="rId15"/>
   </p:sldIdLst>
   <p:sldSz cx="9144000" cy="6858000" type="screen4x3"/>
   <p:notesSz cx="6858000" cy="9144000"/>
@@ -204,7 +206,7 @@
             <a:fld id="{CF6EB8F4-F731-44EF-AF40-3FD2AB13EFEA}" type="datetimeFigureOut">
               <a:rPr lang="en-US" smtClean="0"/>
               <a:pPr/>
-              <a:t>5/15/2012</a:t>
+              <a:t>5/16/2012</a:t>
             </a:fld>
             <a:endParaRPr lang="en-US"/>
           </a:p>
@@ -897,7 +899,7 @@
             <a:fld id="{5E316504-420D-4382-915B-294F6A84A749}" type="slidenum">
               <a:rPr lang="en-US" smtClean="0"/>
               <a:pPr/>
-              <a:t>9</a:t>
+              <a:t>10</a:t>
             </a:fld>
             <a:endParaRPr lang="en-US"/>
           </a:p>
@@ -1051,7 +1053,7 @@
             <a:fld id="{1D8BD707-D9CF-40AE-B4C6-C98DA3205C09}" type="datetimeFigureOut">
               <a:rPr lang="en-US" smtClean="0"/>
               <a:pPr/>
-              <a:t>5/15/2012</a:t>
+              <a:t>5/16/2012</a:t>
             </a:fld>
             <a:endParaRPr lang="en-US"/>
           </a:p>
@@ -1218,7 +1220,7 @@
             <a:fld id="{1D8BD707-D9CF-40AE-B4C6-C98DA3205C09}" type="datetimeFigureOut">
               <a:rPr lang="en-US" smtClean="0"/>
               <a:pPr/>
-              <a:t>5/15/2012</a:t>
+              <a:t>5/16/2012</a:t>
             </a:fld>
             <a:endParaRPr lang="en-US"/>
           </a:p>
@@ -1395,7 +1397,7 @@
             <a:fld id="{1D8BD707-D9CF-40AE-B4C6-C98DA3205C09}" type="datetimeFigureOut">
               <a:rPr lang="en-US" smtClean="0"/>
               <a:pPr/>
-              <a:t>5/15/2012</a:t>
+              <a:t>5/16/2012</a:t>
             </a:fld>
             <a:endParaRPr lang="en-US"/>
           </a:p>
@@ -1566,7 +1568,7 @@
             <a:fld id="{1D8BD707-D9CF-40AE-B4C6-C98DA3205C09}" type="datetimeFigureOut">
               <a:rPr lang="en-US" smtClean="0"/>
               <a:pPr/>
-              <a:t>5/15/2012</a:t>
+              <a:t>5/16/2012</a:t>
             </a:fld>
             <a:endParaRPr lang="en-US"/>
           </a:p>
@@ -1822,7 +1824,7 @@
             <a:fld id="{1D8BD707-D9CF-40AE-B4C6-C98DA3205C09}" type="datetimeFigureOut">
               <a:rPr lang="en-US" smtClean="0"/>
               <a:pPr/>
-              <a:t>5/15/2012</a:t>
+              <a:t>5/16/2012</a:t>
             </a:fld>
             <a:endParaRPr lang="en-US"/>
           </a:p>
@@ -2088,7 +2090,7 @@
             <a:fld id="{1D8BD707-D9CF-40AE-B4C6-C98DA3205C09}" type="datetimeFigureOut">
               <a:rPr lang="en-US" smtClean="0"/>
               <a:pPr/>
-              <a:t>5/15/2012</a:t>
+              <a:t>5/16/2012</a:t>
             </a:fld>
             <a:endParaRPr lang="en-US"/>
           </a:p>
@@ -2464,7 +2466,7 @@
             <a:fld id="{1D8BD707-D9CF-40AE-B4C6-C98DA3205C09}" type="datetimeFigureOut">
               <a:rPr lang="en-US" smtClean="0"/>
               <a:pPr/>
-              <a:t>5/15/2012</a:t>
+              <a:t>5/16/2012</a:t>
             </a:fld>
             <a:endParaRPr lang="en-US"/>
           </a:p>
@@ -2588,7 +2590,7 @@
             <a:fld id="{1D8BD707-D9CF-40AE-B4C6-C98DA3205C09}" type="datetimeFigureOut">
               <a:rPr lang="en-US" smtClean="0"/>
               <a:pPr/>
-              <a:t>5/15/2012</a:t>
+              <a:t>5/16/2012</a:t>
             </a:fld>
             <a:endParaRPr lang="en-US"/>
           </a:p>
@@ -2680,7 +2682,7 @@
             <a:fld id="{1D8BD707-D9CF-40AE-B4C6-C98DA3205C09}" type="datetimeFigureOut">
               <a:rPr lang="en-US" smtClean="0"/>
               <a:pPr/>
-              <a:t>5/15/2012</a:t>
+              <a:t>5/16/2012</a:t>
             </a:fld>
             <a:endParaRPr lang="en-US"/>
           </a:p>
@@ -2931,7 +2933,7 @@
             <a:fld id="{1D8BD707-D9CF-40AE-B4C6-C98DA3205C09}" type="datetimeFigureOut">
               <a:rPr lang="en-US" smtClean="0"/>
               <a:pPr/>
-              <a:t>5/15/2012</a:t>
+              <a:t>5/16/2012</a:t>
             </a:fld>
             <a:endParaRPr lang="en-US"/>
           </a:p>
@@ -3192,7 +3194,7 @@
             <a:fld id="{1D8BD707-D9CF-40AE-B4C6-C98DA3205C09}" type="datetimeFigureOut">
               <a:rPr lang="en-US" smtClean="0"/>
               <a:pPr/>
-              <a:t>5/15/2012</a:t>
+              <a:t>5/16/2012</a:t>
             </a:fld>
             <a:endParaRPr lang="en-US"/>
           </a:p>
@@ -3414,7 +3416,7 @@
             <a:fld id="{1D8BD707-D9CF-40AE-B4C6-C98DA3205C09}" type="datetimeFigureOut">
               <a:rPr lang="en-US" smtClean="0"/>
               <a:pPr/>
-              <a:t>5/15/2012</a:t>
+              <a:t>5/16/2012</a:t>
             </a:fld>
             <a:endParaRPr lang="en-US"/>
           </a:p>
@@ -3893,6 +3895,39 @@
           <a:chExt cx="0" cy="0"/>
         </a:xfrm>
       </p:grpSpPr>
+      <p:pic>
+        <p:nvPicPr>
+          <p:cNvPr id="4098" name="Picture 2"/>
+          <p:cNvPicPr>
+            <a:picLocks noGrp="1" noChangeAspect="1" noChangeArrowheads="1"/>
+          </p:cNvPicPr>
+          <p:nvPr>
+            <p:ph idx="1"/>
+          </p:nvPr>
+        </p:nvPicPr>
+        <p:blipFill rotWithShape="1">
+          <a:blip r:embed="rId3" cstate="print"/>
+          <a:srcRect r="1639"/>
+          <a:stretch/>
+        </p:blipFill>
+        <p:spPr bwMode="auto">
+          <a:xfrm>
+            <a:off x="0" y="0"/>
+            <a:ext cx="9144000" cy="6851253"/>
+          </a:xfrm>
+          <a:prstGeom prst="rect">
+            <a:avLst/>
+          </a:prstGeom>
+          <a:noFill/>
+          <a:ln w="9525">
+            <a:noFill/>
+            <a:miter lim="800000"/>
+            <a:headEnd/>
+            <a:tailEnd/>
+          </a:ln>
+          <a:effectLst/>
+        </p:spPr>
+      </p:pic>
       <p:sp>
         <p:nvSpPr>
           <p:cNvPr id="2" name="Title 1"/>
@@ -3906,641 +3941,53 @@
         <p:spPr/>
         <p:txBody>
           <a:bodyPr>
-            <a:normAutofit fontScale="90000"/>
+            <a:normAutofit/>
           </a:bodyPr>
           <a:lstStyle/>
           <a:p>
             <a:r>
-              <a:rPr lang="en-US" dirty="0" smtClean="0"/>
-              <a:t>Methods of the Socket class</a:t>
-            </a:r>
-            <a:endParaRPr lang="en-US" dirty="0"/>
-          </a:p>
-        </p:txBody>
-      </p:sp>
-      <p:sp>
-        <p:nvSpPr>
-          <p:cNvPr id="3" name="Content Placeholder 2"/>
-          <p:cNvSpPr>
-            <a:spLocks noGrp="1"/>
-          </p:cNvSpPr>
-          <p:nvPr>
-            <p:ph idx="1"/>
-          </p:nvPr>
-        </p:nvSpPr>
-        <p:spPr/>
-        <p:txBody>
-          <a:bodyPr>
-            <a:normAutofit fontScale="85000" lnSpcReduction="20000"/>
-          </a:bodyPr>
-          <a:lstStyle/>
-          <a:p>
-            <a:r>
-              <a:rPr lang="en-US" dirty="0" smtClean="0"/>
-              <a:t>Socket</a:t>
-            </a:r>
-            <a:r>
               <a:rPr lang="en-US" dirty="0" smtClean="0">
-                <a:solidFill>
-                  <a:schemeClr val="accent1">
-                    <a:lumMod val="60000"/>
-                    <a:lumOff val="40000"/>
-                  </a:schemeClr>
-                </a:solidFill>
-              </a:rPr>
-              <a:t>(</a:t>
-            </a:r>
-            <a:r>
-              <a:rPr lang="en-US" dirty="0" err="1" smtClean="0">
-                <a:solidFill>
-                  <a:schemeClr val="accent1">
-                    <a:lumMod val="60000"/>
-                    <a:lumOff val="40000"/>
-                  </a:schemeClr>
-                </a:solidFill>
-              </a:rPr>
-              <a:t>SocketInformation</a:t>
-            </a:r>
-            <a:r>
-              <a:rPr lang="en-US" dirty="0" smtClean="0">
-                <a:solidFill>
-                  <a:schemeClr val="accent1">
-                    <a:lumMod val="60000"/>
-                    <a:lumOff val="40000"/>
-                  </a:schemeClr>
-                </a:solidFill>
-              </a:rPr>
-              <a:t> </a:t>
-            </a:r>
-            <a:r>
-              <a:rPr lang="en-US" dirty="0" err="1" smtClean="0">
-                <a:solidFill>
-                  <a:schemeClr val="accent1">
-                    <a:lumMod val="60000"/>
-                    <a:lumOff val="40000"/>
-                  </a:schemeClr>
-                </a:solidFill>
-              </a:rPr>
-              <a:t>si</a:t>
-            </a:r>
-            <a:r>
-              <a:rPr lang="en-US" dirty="0" smtClean="0">
-                <a:solidFill>
-                  <a:schemeClr val="accent1">
-                    <a:lumMod val="60000"/>
-                    <a:lumOff val="40000"/>
-                  </a:schemeClr>
-                </a:solidFill>
-              </a:rPr>
-              <a:t>);</a:t>
+                <a:ln w="18415" cmpd="sng">
+                  <a:solidFill>
+                    <a:srgbClr val="FFFFFF"/>
+                  </a:solidFill>
+                  <a:prstDash val="solid"/>
+                </a:ln>
+                <a:solidFill>
+                  <a:srgbClr val="FFFFFF"/>
+                </a:solidFill>
+                <a:effectLst>
+                  <a:outerShdw blurRad="63500" dir="3600000" algn="tl" rotWithShape="0">
+                    <a:srgbClr val="000000">
+                      <a:alpha val="70000"/>
+                    </a:srgbClr>
+                  </a:outerShdw>
+                </a:effectLst>
+              </a:rPr>
+              <a:t>Constructors</a:t>
             </a:r>
             <a:endParaRPr lang="en-US" dirty="0">
+              <a:ln w="18415" cmpd="sng">
+                <a:solidFill>
+                  <a:srgbClr val="FFFFFF"/>
+                </a:solidFill>
+                <a:prstDash val="solid"/>
+              </a:ln>
               <a:solidFill>
-                <a:schemeClr val="accent1">
-                  <a:lumMod val="60000"/>
-                  <a:lumOff val="40000"/>
-                </a:schemeClr>
+                <a:srgbClr val="FFFFFF"/>
               </a:solidFill>
+              <a:effectLst>
+                <a:outerShdw blurRad="63500" dir="3600000" algn="tl" rotWithShape="0">
+                  <a:srgbClr val="000000">
+                    <a:alpha val="70000"/>
+                  </a:srgbClr>
+                </a:outerShdw>
+              </a:effectLst>
             </a:endParaRPr>
           </a:p>
-          <a:p>
-            <a:r>
-              <a:rPr lang="en-US" dirty="0" smtClean="0"/>
-              <a:t>Socket</a:t>
-            </a:r>
-            <a:r>
-              <a:rPr lang="en-US" dirty="0" smtClean="0">
-                <a:solidFill>
-                  <a:schemeClr val="accent1">
-                    <a:lumMod val="60000"/>
-                    <a:lumOff val="40000"/>
-                  </a:schemeClr>
-                </a:solidFill>
-              </a:rPr>
-              <a:t>(</a:t>
-            </a:r>
-            <a:r>
-              <a:rPr lang="en-US" dirty="0" err="1" smtClean="0">
-                <a:solidFill>
-                  <a:schemeClr val="accent1">
-                    <a:lumMod val="60000"/>
-                    <a:lumOff val="40000"/>
-                  </a:schemeClr>
-                </a:solidFill>
-              </a:rPr>
-              <a:t>AddressFamily</a:t>
-            </a:r>
-            <a:r>
-              <a:rPr lang="en-US" dirty="0" smtClean="0">
-                <a:solidFill>
-                  <a:schemeClr val="accent1">
-                    <a:lumMod val="60000"/>
-                    <a:lumOff val="40000"/>
-                  </a:schemeClr>
-                </a:solidFill>
-              </a:rPr>
-              <a:t> </a:t>
-            </a:r>
-            <a:r>
-              <a:rPr lang="en-US" dirty="0" err="1" smtClean="0">
-                <a:solidFill>
-                  <a:schemeClr val="accent1">
-                    <a:lumMod val="60000"/>
-                    <a:lumOff val="40000"/>
-                  </a:schemeClr>
-                </a:solidFill>
-              </a:rPr>
-              <a:t>af</a:t>
-            </a:r>
-            <a:r>
-              <a:rPr lang="en-US" dirty="0" smtClean="0">
-                <a:solidFill>
-                  <a:schemeClr val="accent1">
-                    <a:lumMod val="60000"/>
-                    <a:lumOff val="40000"/>
-                  </a:schemeClr>
-                </a:solidFill>
-              </a:rPr>
-              <a:t>, </a:t>
-            </a:r>
-            <a:r>
-              <a:rPr lang="en-US" dirty="0" err="1">
-                <a:solidFill>
-                  <a:schemeClr val="accent1">
-                    <a:lumMod val="60000"/>
-                    <a:lumOff val="40000"/>
-                  </a:schemeClr>
-                </a:solidFill>
-              </a:rPr>
-              <a:t>SocketType</a:t>
-            </a:r>
-            <a:r>
-              <a:rPr lang="en-US" dirty="0">
-                <a:solidFill>
-                  <a:schemeClr val="accent1">
-                    <a:lumMod val="60000"/>
-                    <a:lumOff val="40000"/>
-                  </a:schemeClr>
-                </a:solidFill>
-              </a:rPr>
-              <a:t> </a:t>
-            </a:r>
-            <a:r>
-              <a:rPr lang="en-US" dirty="0" err="1" smtClean="0">
-                <a:solidFill>
-                  <a:schemeClr val="accent1">
-                    <a:lumMod val="60000"/>
-                    <a:lumOff val="40000"/>
-                  </a:schemeClr>
-                </a:solidFill>
-              </a:rPr>
-              <a:t>st</a:t>
-            </a:r>
-            <a:r>
-              <a:rPr lang="en-US" dirty="0" smtClean="0">
-                <a:solidFill>
-                  <a:schemeClr val="accent1">
-                    <a:lumMod val="60000"/>
-                    <a:lumOff val="40000"/>
-                  </a:schemeClr>
-                </a:solidFill>
-              </a:rPr>
-              <a:t>, </a:t>
-            </a:r>
-            <a:r>
-              <a:rPr lang="en-US" dirty="0" err="1">
-                <a:solidFill>
-                  <a:schemeClr val="accent1">
-                    <a:lumMod val="60000"/>
-                    <a:lumOff val="40000"/>
-                  </a:schemeClr>
-                </a:solidFill>
-              </a:rPr>
-              <a:t>ProtocolType</a:t>
-            </a:r>
-            <a:r>
-              <a:rPr lang="en-US" dirty="0">
-                <a:solidFill>
-                  <a:schemeClr val="accent1">
-                    <a:lumMod val="60000"/>
-                    <a:lumOff val="40000"/>
-                  </a:schemeClr>
-                </a:solidFill>
-              </a:rPr>
-              <a:t> </a:t>
-            </a:r>
-            <a:r>
-              <a:rPr lang="en-US" dirty="0" err="1" smtClean="0">
-                <a:solidFill>
-                  <a:schemeClr val="accent1">
-                    <a:lumMod val="60000"/>
-                    <a:lumOff val="40000"/>
-                  </a:schemeClr>
-                </a:solidFill>
-              </a:rPr>
-              <a:t>pt</a:t>
-            </a:r>
-            <a:r>
-              <a:rPr lang="en-US" dirty="0" smtClean="0">
-                <a:solidFill>
-                  <a:schemeClr val="accent1">
-                    <a:lumMod val="60000"/>
-                    <a:lumOff val="40000"/>
-                  </a:schemeClr>
-                </a:solidFill>
-              </a:rPr>
-              <a:t>);</a:t>
-            </a:r>
-            <a:endParaRPr lang="en-US" dirty="0">
-              <a:solidFill>
-                <a:schemeClr val="accent1">
-                  <a:lumMod val="60000"/>
-                  <a:lumOff val="40000"/>
-                </a:schemeClr>
-              </a:solidFill>
-            </a:endParaRPr>
-          </a:p>
-          <a:p>
-            <a:r>
-              <a:rPr lang="en-US" dirty="0" smtClean="0">
-                <a:solidFill>
-                  <a:schemeClr val="accent1">
-                    <a:lumMod val="60000"/>
-                    <a:lumOff val="40000"/>
-                  </a:schemeClr>
-                </a:solidFill>
-              </a:rPr>
-              <a:t>Socket </a:t>
-            </a:r>
-            <a:r>
-              <a:rPr lang="en-US" dirty="0"/>
-              <a:t>Accept</a:t>
-            </a:r>
-            <a:r>
-              <a:rPr lang="en-US" dirty="0">
-                <a:solidFill>
-                  <a:schemeClr val="accent1">
-                    <a:lumMod val="60000"/>
-                    <a:lumOff val="40000"/>
-                  </a:schemeClr>
-                </a:solidFill>
-              </a:rPr>
-              <a:t>();</a:t>
-            </a:r>
-          </a:p>
-          <a:p>
-            <a:r>
-              <a:rPr lang="en-US" dirty="0" smtClean="0">
-                <a:solidFill>
-                  <a:schemeClr val="accent1">
-                    <a:lumMod val="60000"/>
-                    <a:lumOff val="40000"/>
-                  </a:schemeClr>
-                </a:solidFill>
-              </a:rPr>
-              <a:t>void </a:t>
-            </a:r>
-            <a:r>
-              <a:rPr lang="en-US" dirty="0" smtClean="0"/>
-              <a:t>Bind</a:t>
-            </a:r>
-            <a:r>
-              <a:rPr lang="en-US" dirty="0" smtClean="0">
-                <a:solidFill>
-                  <a:schemeClr val="accent1">
-                    <a:lumMod val="60000"/>
-                    <a:lumOff val="40000"/>
-                  </a:schemeClr>
-                </a:solidFill>
-              </a:rPr>
-              <a:t>(</a:t>
-            </a:r>
-            <a:r>
-              <a:rPr lang="en-US" dirty="0" err="1" smtClean="0">
-                <a:solidFill>
-                  <a:schemeClr val="accent1">
-                    <a:lumMod val="60000"/>
-                    <a:lumOff val="40000"/>
-                  </a:schemeClr>
-                </a:solidFill>
-              </a:rPr>
-              <a:t>EndPoint</a:t>
-            </a:r>
-            <a:r>
-              <a:rPr lang="en-US" dirty="0" smtClean="0">
-                <a:solidFill>
-                  <a:schemeClr val="accent1">
-                    <a:lumMod val="60000"/>
-                    <a:lumOff val="40000"/>
-                  </a:schemeClr>
-                </a:solidFill>
-              </a:rPr>
-              <a:t> local);</a:t>
-            </a:r>
-            <a:endParaRPr lang="en-US" dirty="0">
-              <a:solidFill>
-                <a:schemeClr val="accent1">
-                  <a:lumMod val="60000"/>
-                  <a:lumOff val="40000"/>
-                </a:schemeClr>
-              </a:solidFill>
-            </a:endParaRPr>
-          </a:p>
-          <a:p>
-            <a:r>
-              <a:rPr lang="en-US" dirty="0" smtClean="0">
-                <a:solidFill>
-                  <a:schemeClr val="accent1">
-                    <a:lumMod val="60000"/>
-                    <a:lumOff val="40000"/>
-                  </a:schemeClr>
-                </a:solidFill>
-              </a:rPr>
-              <a:t>void </a:t>
-            </a:r>
-            <a:r>
-              <a:rPr lang="en-US" dirty="0"/>
-              <a:t>Connect</a:t>
-            </a:r>
-            <a:r>
-              <a:rPr lang="en-US" dirty="0">
-                <a:solidFill>
-                  <a:schemeClr val="accent1">
-                    <a:lumMod val="60000"/>
-                    <a:lumOff val="40000"/>
-                  </a:schemeClr>
-                </a:solidFill>
-              </a:rPr>
-              <a:t>(</a:t>
-            </a:r>
-            <a:r>
-              <a:rPr lang="en-US" dirty="0" err="1">
-                <a:solidFill>
-                  <a:schemeClr val="accent1">
-                    <a:lumMod val="60000"/>
-                    <a:lumOff val="40000"/>
-                  </a:schemeClr>
-                </a:solidFill>
-              </a:rPr>
-              <a:t>EndPoint</a:t>
-            </a:r>
-            <a:r>
-              <a:rPr lang="en-US" dirty="0">
-                <a:solidFill>
-                  <a:schemeClr val="accent1">
-                    <a:lumMod val="60000"/>
-                    <a:lumOff val="40000"/>
-                  </a:schemeClr>
-                </a:solidFill>
-              </a:rPr>
-              <a:t> </a:t>
-            </a:r>
-            <a:r>
-              <a:rPr lang="en-US" dirty="0" smtClean="0">
-                <a:solidFill>
-                  <a:schemeClr val="accent1">
-                    <a:lumMod val="60000"/>
-                    <a:lumOff val="40000"/>
-                  </a:schemeClr>
-                </a:solidFill>
-              </a:rPr>
-              <a:t>remote);</a:t>
-            </a:r>
-            <a:endParaRPr lang="en-US" dirty="0">
-              <a:solidFill>
-                <a:schemeClr val="accent1">
-                  <a:lumMod val="60000"/>
-                  <a:lumOff val="40000"/>
-                </a:schemeClr>
-              </a:solidFill>
-            </a:endParaRPr>
-          </a:p>
-          <a:p>
-            <a:r>
-              <a:rPr lang="en-US" dirty="0" smtClean="0">
-                <a:solidFill>
-                  <a:schemeClr val="accent1">
-                    <a:lumMod val="60000"/>
-                    <a:lumOff val="40000"/>
-                  </a:schemeClr>
-                </a:solidFill>
-              </a:rPr>
-              <a:t>void</a:t>
-            </a:r>
-            <a:r>
-              <a:rPr lang="en-US" dirty="0" smtClean="0"/>
-              <a:t> </a:t>
-            </a:r>
-            <a:r>
-              <a:rPr lang="en-US" dirty="0"/>
-              <a:t>Connect</a:t>
-            </a:r>
-            <a:r>
-              <a:rPr lang="en-US" dirty="0">
-                <a:solidFill>
-                  <a:schemeClr val="accent1">
-                    <a:lumMod val="60000"/>
-                    <a:lumOff val="40000"/>
-                  </a:schemeClr>
-                </a:solidFill>
-              </a:rPr>
-              <a:t>(string host, </a:t>
-            </a:r>
-            <a:r>
-              <a:rPr lang="en-US" dirty="0" err="1">
-                <a:solidFill>
-                  <a:schemeClr val="accent1">
-                    <a:lumMod val="60000"/>
-                    <a:lumOff val="40000"/>
-                  </a:schemeClr>
-                </a:solidFill>
-              </a:rPr>
-              <a:t>int</a:t>
-            </a:r>
-            <a:r>
-              <a:rPr lang="en-US" dirty="0">
-                <a:solidFill>
-                  <a:schemeClr val="accent1">
-                    <a:lumMod val="60000"/>
-                    <a:lumOff val="40000"/>
-                  </a:schemeClr>
-                </a:solidFill>
-              </a:rPr>
-              <a:t> port);</a:t>
-            </a:r>
-          </a:p>
-          <a:p>
-            <a:r>
-              <a:rPr lang="en-US" dirty="0" smtClean="0">
-                <a:solidFill>
-                  <a:schemeClr val="accent1">
-                    <a:lumMod val="60000"/>
-                    <a:lumOff val="40000"/>
-                  </a:schemeClr>
-                </a:solidFill>
-              </a:rPr>
-              <a:t>void</a:t>
-            </a:r>
-            <a:r>
-              <a:rPr lang="en-US" dirty="0" smtClean="0"/>
-              <a:t> </a:t>
-            </a:r>
-            <a:r>
-              <a:rPr lang="en-US" dirty="0"/>
-              <a:t>Dispose</a:t>
-            </a:r>
-            <a:r>
-              <a:rPr lang="en-US" dirty="0">
-                <a:solidFill>
-                  <a:schemeClr val="accent1">
-                    <a:lumMod val="60000"/>
-                    <a:lumOff val="40000"/>
-                  </a:schemeClr>
-                </a:solidFill>
-              </a:rPr>
-              <a:t>();</a:t>
-            </a:r>
-          </a:p>
-          <a:p>
-            <a:r>
-              <a:rPr lang="en-US" dirty="0" smtClean="0">
-                <a:solidFill>
-                  <a:schemeClr val="accent1">
-                    <a:lumMod val="60000"/>
-                    <a:lumOff val="40000"/>
-                  </a:schemeClr>
-                </a:solidFill>
-              </a:rPr>
-              <a:t>void</a:t>
-            </a:r>
-            <a:r>
-              <a:rPr lang="en-US" dirty="0" smtClean="0"/>
-              <a:t> </a:t>
-            </a:r>
-            <a:r>
-              <a:rPr lang="en-US" dirty="0"/>
-              <a:t>Listen</a:t>
-            </a:r>
-            <a:r>
-              <a:rPr lang="en-US" dirty="0">
-                <a:solidFill>
-                  <a:schemeClr val="accent1">
-                    <a:lumMod val="60000"/>
-                    <a:lumOff val="40000"/>
-                  </a:schemeClr>
-                </a:solidFill>
-              </a:rPr>
-              <a:t>(</a:t>
-            </a:r>
-            <a:r>
-              <a:rPr lang="en-US" dirty="0" err="1">
-                <a:solidFill>
-                  <a:schemeClr val="accent1">
-                    <a:lumMod val="60000"/>
-                    <a:lumOff val="40000"/>
-                  </a:schemeClr>
-                </a:solidFill>
-              </a:rPr>
-              <a:t>int</a:t>
-            </a:r>
-            <a:r>
-              <a:rPr lang="en-US" dirty="0">
-                <a:solidFill>
-                  <a:schemeClr val="accent1">
-                    <a:lumMod val="60000"/>
-                    <a:lumOff val="40000"/>
-                  </a:schemeClr>
-                </a:solidFill>
-              </a:rPr>
-              <a:t> backlog);</a:t>
-            </a:r>
-          </a:p>
-          <a:p>
-            <a:r>
-              <a:rPr lang="en-US" dirty="0" err="1" smtClean="0">
-                <a:solidFill>
-                  <a:schemeClr val="accent1">
-                    <a:lumMod val="60000"/>
-                    <a:lumOff val="40000"/>
-                  </a:schemeClr>
-                </a:solidFill>
-              </a:rPr>
-              <a:t>int</a:t>
-            </a:r>
-            <a:r>
-              <a:rPr lang="en-US" dirty="0" smtClean="0">
-                <a:solidFill>
-                  <a:schemeClr val="accent1">
-                    <a:lumMod val="60000"/>
-                    <a:lumOff val="40000"/>
-                  </a:schemeClr>
-                </a:solidFill>
-              </a:rPr>
-              <a:t> </a:t>
-            </a:r>
-            <a:r>
-              <a:rPr lang="en-US" dirty="0"/>
-              <a:t>Receive</a:t>
-            </a:r>
-            <a:r>
-              <a:rPr lang="en-US" dirty="0">
-                <a:solidFill>
-                  <a:schemeClr val="accent1">
-                    <a:lumMod val="60000"/>
-                    <a:lumOff val="40000"/>
-                  </a:schemeClr>
-                </a:solidFill>
-              </a:rPr>
-              <a:t>(byte[] buffer);</a:t>
-            </a:r>
-          </a:p>
-          <a:p>
-            <a:r>
-              <a:rPr lang="en-US" dirty="0" err="1" smtClean="0">
-                <a:solidFill>
-                  <a:schemeClr val="accent1">
-                    <a:lumMod val="60000"/>
-                    <a:lumOff val="40000"/>
-                  </a:schemeClr>
-                </a:solidFill>
-              </a:rPr>
-              <a:t>int</a:t>
-            </a:r>
-            <a:r>
-              <a:rPr lang="en-US" dirty="0" smtClean="0">
-                <a:solidFill>
-                  <a:schemeClr val="accent1">
-                    <a:lumMod val="60000"/>
-                    <a:lumOff val="40000"/>
-                  </a:schemeClr>
-                </a:solidFill>
-              </a:rPr>
-              <a:t> </a:t>
-            </a:r>
-            <a:r>
-              <a:rPr lang="en-US" dirty="0"/>
-              <a:t>Send</a:t>
-            </a:r>
-            <a:r>
-              <a:rPr lang="en-US" dirty="0">
-                <a:solidFill>
-                  <a:schemeClr val="accent1">
-                    <a:lumMod val="60000"/>
-                    <a:lumOff val="40000"/>
-                  </a:schemeClr>
-                </a:solidFill>
-              </a:rPr>
-              <a:t>(byte[] buffer);</a:t>
-            </a:r>
-          </a:p>
         </p:txBody>
       </p:sp>
     </p:spTree>
-    <p:extLst>
-      <p:ext uri="{BB962C8B-B14F-4D97-AF65-F5344CB8AC3E}">
-        <p14:creationId xmlns:p14="http://schemas.microsoft.com/office/powerpoint/2010/main" val="2041624324"/>
-      </p:ext>
-    </p:extLst>
   </p:cSld>
   <p:clrMapOvr>
     <a:masterClrMapping/>
@@ -4584,12 +4031,14 @@
         </p:nvSpPr>
         <p:spPr/>
         <p:txBody>
-          <a:bodyPr/>
+          <a:bodyPr>
+            <a:normAutofit fontScale="90000"/>
+          </a:bodyPr>
           <a:lstStyle/>
           <a:p>
             <a:r>
               <a:rPr lang="en-US" dirty="0" smtClean="0"/>
-              <a:t>Rules of the Socket class</a:t>
+              <a:t>Methods of the Socket class</a:t>
             </a:r>
             <a:endParaRPr lang="en-US" dirty="0"/>
           </a:p>
@@ -4605,203 +4054,575 @@
             <p:ph idx="1"/>
           </p:nvPr>
         </p:nvSpPr>
-        <p:spPr>
-          <a:xfrm>
-            <a:off x="457200" y="1447800"/>
-            <a:ext cx="7467600" cy="5105400"/>
-          </a:xfrm>
-        </p:spPr>
+        <p:spPr/>
         <p:txBody>
           <a:bodyPr>
-            <a:noAutofit/>
+            <a:normAutofit fontScale="85000" lnSpcReduction="20000"/>
           </a:bodyPr>
           <a:lstStyle/>
           <a:p>
             <a:r>
-              <a:rPr lang="en-US" sz="2000" dirty="0">
-                <a:solidFill>
-                  <a:schemeClr val="accent1">
-                    <a:lumMod val="60000"/>
-                    <a:lumOff val="40000"/>
-                  </a:schemeClr>
-                </a:solidFill>
-              </a:rPr>
-              <a:t>You cannot use a Socket returned from </a:t>
-            </a:r>
-            <a:r>
-              <a:rPr lang="en-US" sz="2000" dirty="0"/>
+              <a:rPr lang="en-US" dirty="0" smtClean="0"/>
+              <a:t>Socket</a:t>
+            </a:r>
+            <a:r>
+              <a:rPr lang="en-US" dirty="0" smtClean="0">
+                <a:solidFill>
+                  <a:schemeClr val="accent1">
+                    <a:lumMod val="60000"/>
+                    <a:lumOff val="40000"/>
+                  </a:schemeClr>
+                </a:solidFill>
+              </a:rPr>
+              <a:t>(</a:t>
+            </a:r>
+            <a:r>
+              <a:rPr lang="en-US" dirty="0" err="1" smtClean="0">
+                <a:solidFill>
+                  <a:schemeClr val="accent1">
+                    <a:lumMod val="60000"/>
+                    <a:lumOff val="40000"/>
+                  </a:schemeClr>
+                </a:solidFill>
+              </a:rPr>
+              <a:t>SocketInformation</a:t>
+            </a:r>
+            <a:r>
+              <a:rPr lang="en-US" dirty="0" smtClean="0">
+                <a:solidFill>
+                  <a:schemeClr val="accent1">
+                    <a:lumMod val="60000"/>
+                    <a:lumOff val="40000"/>
+                  </a:schemeClr>
+                </a:solidFill>
+              </a:rPr>
+              <a:t> </a:t>
+            </a:r>
+            <a:r>
+              <a:rPr lang="en-US" dirty="0" err="1" smtClean="0">
+                <a:solidFill>
+                  <a:schemeClr val="accent1">
+                    <a:lumMod val="60000"/>
+                    <a:lumOff val="40000"/>
+                  </a:schemeClr>
+                </a:solidFill>
+              </a:rPr>
+              <a:t>si</a:t>
+            </a:r>
+            <a:r>
+              <a:rPr lang="en-US" dirty="0" smtClean="0">
+                <a:solidFill>
+                  <a:schemeClr val="accent1">
+                    <a:lumMod val="60000"/>
+                    <a:lumOff val="40000"/>
+                  </a:schemeClr>
+                </a:solidFill>
+              </a:rPr>
+              <a:t>);</a:t>
+            </a:r>
+            <a:endParaRPr lang="en-US" dirty="0">
+              <a:solidFill>
+                <a:schemeClr val="accent1">
+                  <a:lumMod val="60000"/>
+                  <a:lumOff val="40000"/>
+                </a:schemeClr>
+              </a:solidFill>
+            </a:endParaRPr>
+          </a:p>
+          <a:p>
+            <a:r>
+              <a:rPr lang="en-US" dirty="0" smtClean="0"/>
+              <a:t>Socket</a:t>
+            </a:r>
+            <a:r>
+              <a:rPr lang="en-US" dirty="0" smtClean="0">
+                <a:solidFill>
+                  <a:schemeClr val="accent1">
+                    <a:lumMod val="60000"/>
+                    <a:lumOff val="40000"/>
+                  </a:schemeClr>
+                </a:solidFill>
+              </a:rPr>
+              <a:t>(</a:t>
+            </a:r>
+            <a:r>
+              <a:rPr lang="en-US" dirty="0" err="1" smtClean="0">
+                <a:solidFill>
+                  <a:schemeClr val="accent1">
+                    <a:lumMod val="60000"/>
+                    <a:lumOff val="40000"/>
+                  </a:schemeClr>
+                </a:solidFill>
+              </a:rPr>
+              <a:t>AddressFamily</a:t>
+            </a:r>
+            <a:r>
+              <a:rPr lang="en-US" dirty="0" smtClean="0">
+                <a:solidFill>
+                  <a:schemeClr val="accent1">
+                    <a:lumMod val="60000"/>
+                    <a:lumOff val="40000"/>
+                  </a:schemeClr>
+                </a:solidFill>
+              </a:rPr>
+              <a:t> </a:t>
+            </a:r>
+            <a:r>
+              <a:rPr lang="en-US" dirty="0" err="1" smtClean="0">
+                <a:solidFill>
+                  <a:schemeClr val="accent1">
+                    <a:lumMod val="60000"/>
+                    <a:lumOff val="40000"/>
+                  </a:schemeClr>
+                </a:solidFill>
+              </a:rPr>
+              <a:t>af</a:t>
+            </a:r>
+            <a:r>
+              <a:rPr lang="en-US" dirty="0" smtClean="0">
+                <a:solidFill>
+                  <a:schemeClr val="accent1">
+                    <a:lumMod val="60000"/>
+                    <a:lumOff val="40000"/>
+                  </a:schemeClr>
+                </a:solidFill>
+              </a:rPr>
+              <a:t>, </a:t>
+            </a:r>
+            <a:r>
+              <a:rPr lang="en-US" dirty="0" err="1">
+                <a:solidFill>
+                  <a:schemeClr val="accent1">
+                    <a:lumMod val="60000"/>
+                    <a:lumOff val="40000"/>
+                  </a:schemeClr>
+                </a:solidFill>
+              </a:rPr>
+              <a:t>SocketType</a:t>
+            </a:r>
+            <a:r>
+              <a:rPr lang="en-US" dirty="0">
+                <a:solidFill>
+                  <a:schemeClr val="accent1">
+                    <a:lumMod val="60000"/>
+                    <a:lumOff val="40000"/>
+                  </a:schemeClr>
+                </a:solidFill>
+              </a:rPr>
+              <a:t> </a:t>
+            </a:r>
+            <a:r>
+              <a:rPr lang="en-US" dirty="0" err="1" smtClean="0">
+                <a:solidFill>
+                  <a:schemeClr val="accent1">
+                    <a:lumMod val="60000"/>
+                    <a:lumOff val="40000"/>
+                  </a:schemeClr>
+                </a:solidFill>
+              </a:rPr>
+              <a:t>st</a:t>
+            </a:r>
+            <a:r>
+              <a:rPr lang="en-US" dirty="0" smtClean="0">
+                <a:solidFill>
+                  <a:schemeClr val="accent1">
+                    <a:lumMod val="60000"/>
+                    <a:lumOff val="40000"/>
+                  </a:schemeClr>
+                </a:solidFill>
+              </a:rPr>
+              <a:t>, </a:t>
+            </a:r>
+            <a:r>
+              <a:rPr lang="en-US" dirty="0" err="1">
+                <a:solidFill>
+                  <a:schemeClr val="accent1">
+                    <a:lumMod val="60000"/>
+                    <a:lumOff val="40000"/>
+                  </a:schemeClr>
+                </a:solidFill>
+              </a:rPr>
+              <a:t>ProtocolType</a:t>
+            </a:r>
+            <a:r>
+              <a:rPr lang="en-US" dirty="0">
+                <a:solidFill>
+                  <a:schemeClr val="accent1">
+                    <a:lumMod val="60000"/>
+                    <a:lumOff val="40000"/>
+                  </a:schemeClr>
+                </a:solidFill>
+              </a:rPr>
+              <a:t> </a:t>
+            </a:r>
+            <a:r>
+              <a:rPr lang="en-US" dirty="0" err="1" smtClean="0">
+                <a:solidFill>
+                  <a:schemeClr val="accent1">
+                    <a:lumMod val="60000"/>
+                    <a:lumOff val="40000"/>
+                  </a:schemeClr>
+                </a:solidFill>
+              </a:rPr>
+              <a:t>pt</a:t>
+            </a:r>
+            <a:r>
+              <a:rPr lang="en-US" dirty="0" smtClean="0">
+                <a:solidFill>
+                  <a:schemeClr val="accent1">
+                    <a:lumMod val="60000"/>
+                    <a:lumOff val="40000"/>
+                  </a:schemeClr>
+                </a:solidFill>
+              </a:rPr>
+              <a:t>);</a:t>
+            </a:r>
+            <a:endParaRPr lang="en-US" dirty="0">
+              <a:solidFill>
+                <a:schemeClr val="accent1">
+                  <a:lumMod val="60000"/>
+                  <a:lumOff val="40000"/>
+                </a:schemeClr>
+              </a:solidFill>
+            </a:endParaRPr>
+          </a:p>
+          <a:p>
+            <a:r>
+              <a:rPr lang="en-US" dirty="0" smtClean="0">
+                <a:solidFill>
+                  <a:schemeClr val="accent1">
+                    <a:lumMod val="60000"/>
+                    <a:lumOff val="40000"/>
+                  </a:schemeClr>
+                </a:solidFill>
+              </a:rPr>
+              <a:t>Socket </a:t>
+            </a:r>
+            <a:r>
+              <a:rPr lang="en-US" dirty="0"/>
               <a:t>Accept</a:t>
             </a:r>
             <a:r>
-              <a:rPr lang="en-US" sz="2000" dirty="0">
-                <a:solidFill>
-                  <a:schemeClr val="accent1">
-                    <a:lumMod val="60000"/>
-                    <a:lumOff val="40000"/>
-                  </a:schemeClr>
-                </a:solidFill>
-              </a:rPr>
-              <a:t> to accept any </a:t>
-            </a:r>
-            <a:r>
-              <a:rPr lang="en-US" sz="2000" dirty="0"/>
-              <a:t>additional</a:t>
-            </a:r>
-            <a:r>
-              <a:rPr lang="en-US" sz="2000" dirty="0">
-                <a:solidFill>
-                  <a:schemeClr val="accent1">
-                    <a:lumMod val="60000"/>
-                    <a:lumOff val="40000"/>
-                  </a:schemeClr>
-                </a:solidFill>
-              </a:rPr>
-              <a:t> connections from the connection queue.</a:t>
-            </a:r>
-          </a:p>
-          <a:p>
-            <a:r>
-              <a:rPr lang="en-US" sz="2000" dirty="0">
-                <a:solidFill>
-                  <a:schemeClr val="accent1">
-                    <a:lumMod val="60000"/>
-                    <a:lumOff val="40000"/>
-                  </a:schemeClr>
-                </a:solidFill>
-              </a:rPr>
-              <a:t>You cannot call Accept, Bind, Connect, Listen, Receive, or Send if the </a:t>
-            </a:r>
-            <a:r>
-              <a:rPr lang="en-US" sz="2000" dirty="0"/>
-              <a:t>socket has been closed</a:t>
-            </a:r>
-            <a:r>
-              <a:rPr lang="en-US" sz="2000" dirty="0">
-                <a:solidFill>
-                  <a:schemeClr val="accent1">
-                    <a:lumMod val="60000"/>
-                    <a:lumOff val="40000"/>
-                  </a:schemeClr>
-                </a:solidFill>
-              </a:rPr>
-              <a:t>.</a:t>
-            </a:r>
-          </a:p>
-          <a:p>
-            <a:r>
-              <a:rPr lang="en-US" sz="2000" dirty="0">
-                <a:solidFill>
-                  <a:schemeClr val="accent1">
-                    <a:lumMod val="60000"/>
-                    <a:lumOff val="40000"/>
-                  </a:schemeClr>
-                </a:solidFill>
-              </a:rPr>
-              <a:t>You must call </a:t>
-            </a:r>
-            <a:r>
-              <a:rPr lang="en-US" sz="2000" dirty="0"/>
+              <a:rPr lang="en-US" dirty="0">
+                <a:solidFill>
+                  <a:schemeClr val="accent1">
+                    <a:lumMod val="60000"/>
+                    <a:lumOff val="40000"/>
+                  </a:schemeClr>
+                </a:solidFill>
+              </a:rPr>
+              <a:t>();</a:t>
+            </a:r>
+          </a:p>
+          <a:p>
+            <a:r>
+              <a:rPr lang="en-US" dirty="0" smtClean="0">
+                <a:solidFill>
+                  <a:schemeClr val="accent1">
+                    <a:lumMod val="60000"/>
+                    <a:lumOff val="40000"/>
+                  </a:schemeClr>
+                </a:solidFill>
+              </a:rPr>
+              <a:t>void </a:t>
+            </a:r>
+            <a:r>
+              <a:rPr lang="en-US" dirty="0" smtClean="0"/>
               <a:t>Bind</a:t>
             </a:r>
             <a:r>
-              <a:rPr lang="en-US" sz="2000" dirty="0">
-                <a:solidFill>
-                  <a:schemeClr val="accent1">
-                    <a:lumMod val="60000"/>
-                    <a:lumOff val="40000"/>
-                  </a:schemeClr>
-                </a:solidFill>
-              </a:rPr>
-              <a:t> before you can call the </a:t>
-            </a:r>
-            <a:r>
-              <a:rPr lang="en-US" sz="2000" dirty="0"/>
+              <a:rPr lang="en-US" dirty="0" smtClean="0">
+                <a:solidFill>
+                  <a:schemeClr val="accent1">
+                    <a:lumMod val="60000"/>
+                    <a:lumOff val="40000"/>
+                  </a:schemeClr>
+                </a:solidFill>
+              </a:rPr>
+              <a:t>(</a:t>
+            </a:r>
+            <a:r>
+              <a:rPr lang="en-US" dirty="0" err="1" smtClean="0">
+                <a:solidFill>
+                  <a:schemeClr val="accent1">
+                    <a:lumMod val="60000"/>
+                    <a:lumOff val="40000"/>
+                  </a:schemeClr>
+                </a:solidFill>
+              </a:rPr>
+              <a:t>EndPoint</a:t>
+            </a:r>
+            <a:r>
+              <a:rPr lang="en-US" dirty="0" smtClean="0">
+                <a:solidFill>
+                  <a:schemeClr val="accent1">
+                    <a:lumMod val="60000"/>
+                    <a:lumOff val="40000"/>
+                  </a:schemeClr>
+                </a:solidFill>
+              </a:rPr>
+              <a:t> local);</a:t>
+            </a:r>
+            <a:endParaRPr lang="en-US" dirty="0">
+              <a:solidFill>
+                <a:schemeClr val="accent1">
+                  <a:lumMod val="60000"/>
+                  <a:lumOff val="40000"/>
+                </a:schemeClr>
+              </a:solidFill>
+            </a:endParaRPr>
+          </a:p>
+          <a:p>
+            <a:r>
+              <a:rPr lang="en-US" dirty="0" smtClean="0">
+                <a:solidFill>
+                  <a:schemeClr val="accent1">
+                    <a:lumMod val="60000"/>
+                    <a:lumOff val="40000"/>
+                  </a:schemeClr>
+                </a:solidFill>
+              </a:rPr>
+              <a:t>void </a:t>
+            </a:r>
+            <a:r>
+              <a:rPr lang="en-US" dirty="0"/>
+              <a:t>Connect</a:t>
+            </a:r>
+            <a:r>
+              <a:rPr lang="en-US" dirty="0">
+                <a:solidFill>
+                  <a:schemeClr val="accent1">
+                    <a:lumMod val="60000"/>
+                    <a:lumOff val="40000"/>
+                  </a:schemeClr>
+                </a:solidFill>
+              </a:rPr>
+              <a:t>(</a:t>
+            </a:r>
+            <a:r>
+              <a:rPr lang="en-US" dirty="0" err="1">
+                <a:solidFill>
+                  <a:schemeClr val="accent1">
+                    <a:lumMod val="60000"/>
+                    <a:lumOff val="40000"/>
+                  </a:schemeClr>
+                </a:solidFill>
+              </a:rPr>
+              <a:t>EndPoint</a:t>
+            </a:r>
+            <a:r>
+              <a:rPr lang="en-US" dirty="0">
+                <a:solidFill>
+                  <a:schemeClr val="accent1">
+                    <a:lumMod val="60000"/>
+                    <a:lumOff val="40000"/>
+                  </a:schemeClr>
+                </a:solidFill>
+              </a:rPr>
+              <a:t> </a:t>
+            </a:r>
+            <a:r>
+              <a:rPr lang="en-US" dirty="0" smtClean="0">
+                <a:solidFill>
+                  <a:schemeClr val="accent1">
+                    <a:lumMod val="60000"/>
+                    <a:lumOff val="40000"/>
+                  </a:schemeClr>
+                </a:solidFill>
+              </a:rPr>
+              <a:t>remote);</a:t>
+            </a:r>
+            <a:endParaRPr lang="en-US" dirty="0">
+              <a:solidFill>
+                <a:schemeClr val="accent1">
+                  <a:lumMod val="60000"/>
+                  <a:lumOff val="40000"/>
+                </a:schemeClr>
+              </a:solidFill>
+            </a:endParaRPr>
+          </a:p>
+          <a:p>
+            <a:r>
+              <a:rPr lang="en-US" dirty="0" smtClean="0">
+                <a:solidFill>
+                  <a:schemeClr val="accent1">
+                    <a:lumMod val="60000"/>
+                    <a:lumOff val="40000"/>
+                  </a:schemeClr>
+                </a:solidFill>
+              </a:rPr>
+              <a:t>void</a:t>
+            </a:r>
+            <a:r>
+              <a:rPr lang="en-US" dirty="0" smtClean="0"/>
+              <a:t> </a:t>
+            </a:r>
+            <a:r>
+              <a:rPr lang="en-US" dirty="0"/>
+              <a:t>Connect</a:t>
+            </a:r>
+            <a:r>
+              <a:rPr lang="en-US" dirty="0">
+                <a:solidFill>
+                  <a:schemeClr val="accent1">
+                    <a:lumMod val="60000"/>
+                    <a:lumOff val="40000"/>
+                  </a:schemeClr>
+                </a:solidFill>
+              </a:rPr>
+              <a:t>(string host, </a:t>
+            </a:r>
+            <a:r>
+              <a:rPr lang="en-US" dirty="0" err="1">
+                <a:solidFill>
+                  <a:schemeClr val="accent1">
+                    <a:lumMod val="60000"/>
+                    <a:lumOff val="40000"/>
+                  </a:schemeClr>
+                </a:solidFill>
+              </a:rPr>
+              <a:t>int</a:t>
+            </a:r>
+            <a:r>
+              <a:rPr lang="en-US" dirty="0">
+                <a:solidFill>
+                  <a:schemeClr val="accent1">
+                    <a:lumMod val="60000"/>
+                    <a:lumOff val="40000"/>
+                  </a:schemeClr>
+                </a:solidFill>
+              </a:rPr>
+              <a:t> port);</a:t>
+            </a:r>
+          </a:p>
+          <a:p>
+            <a:r>
+              <a:rPr lang="en-US" dirty="0" smtClean="0">
+                <a:solidFill>
+                  <a:schemeClr val="accent1">
+                    <a:lumMod val="60000"/>
+                    <a:lumOff val="40000"/>
+                  </a:schemeClr>
+                </a:solidFill>
+              </a:rPr>
+              <a:t>void</a:t>
+            </a:r>
+            <a:r>
+              <a:rPr lang="en-US" dirty="0" smtClean="0"/>
+              <a:t> </a:t>
+            </a:r>
+            <a:r>
+              <a:rPr lang="en-US" dirty="0"/>
+              <a:t>Dispose</a:t>
+            </a:r>
+            <a:r>
+              <a:rPr lang="en-US" dirty="0">
+                <a:solidFill>
+                  <a:schemeClr val="accent1">
+                    <a:lumMod val="60000"/>
+                    <a:lumOff val="40000"/>
+                  </a:schemeClr>
+                </a:solidFill>
+              </a:rPr>
+              <a:t>();</a:t>
+            </a:r>
+          </a:p>
+          <a:p>
+            <a:r>
+              <a:rPr lang="en-US" dirty="0" smtClean="0">
+                <a:solidFill>
+                  <a:schemeClr val="accent1">
+                    <a:lumMod val="60000"/>
+                    <a:lumOff val="40000"/>
+                  </a:schemeClr>
+                </a:solidFill>
+              </a:rPr>
+              <a:t>void</a:t>
+            </a:r>
+            <a:r>
+              <a:rPr lang="en-US" dirty="0" smtClean="0"/>
+              <a:t> </a:t>
+            </a:r>
+            <a:r>
+              <a:rPr lang="en-US" dirty="0"/>
               <a:t>Listen</a:t>
             </a:r>
             <a:r>
-              <a:rPr lang="en-US" sz="2000" dirty="0">
-                <a:solidFill>
-                  <a:schemeClr val="accent1">
-                    <a:lumMod val="60000"/>
-                    <a:lumOff val="40000"/>
-                  </a:schemeClr>
-                </a:solidFill>
-              </a:rPr>
-              <a:t> method.</a:t>
-            </a:r>
-          </a:p>
-          <a:p>
-            <a:r>
-              <a:rPr lang="en-US" sz="2000" dirty="0" smtClean="0">
-                <a:solidFill>
-                  <a:schemeClr val="accent1">
-                    <a:lumMod val="60000"/>
-                    <a:lumOff val="40000"/>
-                  </a:schemeClr>
-                </a:solidFill>
-              </a:rPr>
-              <a:t>You must call </a:t>
-            </a:r>
-            <a:r>
-              <a:rPr lang="en-US" sz="2000" dirty="0" smtClean="0"/>
-              <a:t>Listen </a:t>
-            </a:r>
-            <a:r>
-              <a:rPr lang="en-US" sz="2000" dirty="0" smtClean="0">
-                <a:solidFill>
-                  <a:schemeClr val="accent1">
-                    <a:lumMod val="60000"/>
-                    <a:lumOff val="40000"/>
-                  </a:schemeClr>
-                </a:solidFill>
-              </a:rPr>
-              <a:t>before</a:t>
-            </a:r>
-            <a:r>
-              <a:rPr lang="en-US" sz="2000" dirty="0" smtClean="0"/>
+              <a:rPr lang="en-US" dirty="0">
+                <a:solidFill>
+                  <a:schemeClr val="accent1">
+                    <a:lumMod val="60000"/>
+                    <a:lumOff val="40000"/>
+                  </a:schemeClr>
+                </a:solidFill>
+              </a:rPr>
+              <a:t>(</a:t>
+            </a:r>
+            <a:r>
+              <a:rPr lang="en-US" dirty="0" err="1">
+                <a:solidFill>
+                  <a:schemeClr val="accent1">
+                    <a:lumMod val="60000"/>
+                    <a:lumOff val="40000"/>
+                  </a:schemeClr>
+                </a:solidFill>
+              </a:rPr>
+              <a:t>int</a:t>
+            </a:r>
+            <a:r>
+              <a:rPr lang="en-US" dirty="0">
+                <a:solidFill>
+                  <a:schemeClr val="accent1">
+                    <a:lumMod val="60000"/>
+                    <a:lumOff val="40000"/>
+                  </a:schemeClr>
+                </a:solidFill>
+              </a:rPr>
+              <a:t> backlog);</a:t>
+            </a:r>
+          </a:p>
+          <a:p>
+            <a:r>
+              <a:rPr lang="en-US" dirty="0" err="1" smtClean="0">
+                <a:solidFill>
+                  <a:schemeClr val="accent1">
+                    <a:lumMod val="60000"/>
+                    <a:lumOff val="40000"/>
+                  </a:schemeClr>
+                </a:solidFill>
+              </a:rPr>
+              <a:t>int</a:t>
+            </a:r>
+            <a:r>
+              <a:rPr lang="en-US" dirty="0" smtClean="0">
+                <a:solidFill>
+                  <a:schemeClr val="accent1">
+                    <a:lumMod val="60000"/>
+                    <a:lumOff val="40000"/>
+                  </a:schemeClr>
+                </a:solidFill>
+              </a:rPr>
               <a:t> </a:t>
             </a:r>
             <a:r>
-              <a:rPr lang="en-US" sz="2000" dirty="0" smtClean="0">
-                <a:solidFill>
-                  <a:schemeClr val="accent1">
-                    <a:lumMod val="60000"/>
-                    <a:lumOff val="40000"/>
-                  </a:schemeClr>
-                </a:solidFill>
-              </a:rPr>
-              <a:t>calling </a:t>
-            </a:r>
-            <a:r>
-              <a:rPr lang="en-US" sz="2000" dirty="0" smtClean="0"/>
-              <a:t>Accept</a:t>
-            </a:r>
-            <a:r>
-              <a:rPr lang="en-US" sz="2000" dirty="0" smtClean="0">
-                <a:solidFill>
-                  <a:schemeClr val="accent1">
-                    <a:lumMod val="60000"/>
-                    <a:lumOff val="40000"/>
-                  </a:schemeClr>
-                </a:solidFill>
-              </a:rPr>
-              <a:t>.</a:t>
-            </a:r>
-          </a:p>
-          <a:p>
-            <a:r>
-              <a:rPr lang="en-US" sz="2000" dirty="0" smtClean="0">
-                <a:solidFill>
-                  <a:schemeClr val="accent1">
-                    <a:lumMod val="60000"/>
-                    <a:lumOff val="40000"/>
-                  </a:schemeClr>
-                </a:solidFill>
-              </a:rPr>
-              <a:t>Connect(string host, </a:t>
-            </a:r>
-            <a:r>
-              <a:rPr lang="en-US" sz="2000" dirty="0" err="1" smtClean="0">
+              <a:rPr lang="en-US" dirty="0"/>
+              <a:t>Receive</a:t>
+            </a:r>
+            <a:r>
+              <a:rPr lang="en-US" dirty="0">
+                <a:solidFill>
+                  <a:schemeClr val="accent1">
+                    <a:lumMod val="60000"/>
+                    <a:lumOff val="40000"/>
+                  </a:schemeClr>
+                </a:solidFill>
+              </a:rPr>
+              <a:t>(byte[] buffer);</a:t>
+            </a:r>
+          </a:p>
+          <a:p>
+            <a:r>
+              <a:rPr lang="en-US" dirty="0" err="1" smtClean="0">
                 <a:solidFill>
                   <a:schemeClr val="accent1">
                     <a:lumMod val="60000"/>
@@ -4812,226 +4633,38 @@
               <a:t>int</a:t>
             </a:r>
             <a:r>
-              <a:rPr lang="en-US" sz="2000" dirty="0" smtClean="0">
-                <a:solidFill>
-                  <a:schemeClr val="accent1">
-                    <a:lumMod val="60000"/>
-                    <a:lumOff val="40000"/>
-                  </a:schemeClr>
-                </a:solidFill>
-              </a:rPr>
-              <a:t> port) can only be called if </a:t>
-            </a:r>
-            <a:r>
-              <a:rPr lang="en-US" sz="2000" dirty="0" err="1" smtClean="0">
-                <a:solidFill>
-                  <a:schemeClr val="accent1">
-                    <a:lumMod val="60000"/>
-                    <a:lumOff val="40000"/>
-                  </a:schemeClr>
-                </a:solidFill>
-              </a:rPr>
-              <a:t>addressFamily</a:t>
-            </a:r>
-            <a:r>
-              <a:rPr lang="en-US" sz="2000" dirty="0" smtClean="0">
-                <a:solidFill>
-                  <a:schemeClr val="accent1">
-                    <a:lumMod val="60000"/>
-                    <a:lumOff val="40000"/>
-                  </a:schemeClr>
-                </a:solidFill>
-              </a:rPr>
-              <a:t> is either </a:t>
-            </a:r>
-            <a:r>
-              <a:rPr lang="en-US" sz="2000" dirty="0" err="1" smtClean="0"/>
-              <a:t>InterNetwork</a:t>
-            </a:r>
-            <a:r>
-              <a:rPr lang="en-US" sz="2000" dirty="0" smtClean="0"/>
+              <a:rPr lang="en-US" dirty="0" smtClean="0">
+                <a:solidFill>
+                  <a:schemeClr val="accent1">
+                    <a:lumMod val="60000"/>
+                    <a:lumOff val="40000"/>
+                  </a:schemeClr>
+                </a:solidFill>
+              </a:rPr>
               <a:t> </a:t>
             </a:r>
             <a:r>
-              <a:rPr lang="en-US" sz="2000" dirty="0" smtClean="0">
-                <a:solidFill>
-                  <a:schemeClr val="accent1">
-                    <a:lumMod val="60000"/>
-                    <a:lumOff val="40000"/>
-                  </a:schemeClr>
-                </a:solidFill>
-              </a:rPr>
-              <a:t>or </a:t>
-            </a:r>
-            <a:r>
-              <a:rPr lang="en-US" sz="2000" dirty="0" smtClean="0"/>
-              <a:t>InterNetworkV6</a:t>
-            </a:r>
-            <a:r>
-              <a:rPr lang="en-US" sz="2000" dirty="0" smtClean="0">
-                <a:solidFill>
-                  <a:schemeClr val="accent1">
-                    <a:lumMod val="60000"/>
-                    <a:lumOff val="40000"/>
-                  </a:schemeClr>
-                </a:solidFill>
-              </a:rPr>
-              <a:t>.</a:t>
-            </a:r>
-          </a:p>
-          <a:p>
-            <a:r>
-              <a:rPr lang="en-US" sz="2000" dirty="0" smtClean="0"/>
-              <a:t>Connect</a:t>
-            </a:r>
-            <a:r>
-              <a:rPr lang="en-US" sz="2000" dirty="0" smtClean="0">
-                <a:solidFill>
-                  <a:schemeClr val="accent1">
-                    <a:lumMod val="60000"/>
-                    <a:lumOff val="40000"/>
-                  </a:schemeClr>
-                </a:solidFill>
-              </a:rPr>
-              <a:t> </a:t>
-            </a:r>
-            <a:r>
-              <a:rPr lang="en-US" sz="2000" dirty="0">
-                <a:solidFill>
-                  <a:schemeClr val="accent1">
-                    <a:lumMod val="60000"/>
-                    <a:lumOff val="40000"/>
-                  </a:schemeClr>
-                </a:solidFill>
-              </a:rPr>
-              <a:t>cannot be called if </a:t>
-            </a:r>
-            <a:r>
-              <a:rPr lang="en-US" sz="2000" dirty="0"/>
-              <a:t>Listen</a:t>
-            </a:r>
-            <a:r>
-              <a:rPr lang="en-US" sz="2000" dirty="0">
-                <a:solidFill>
-                  <a:schemeClr val="accent1">
-                    <a:lumMod val="60000"/>
-                    <a:lumOff val="40000"/>
-                  </a:schemeClr>
-                </a:solidFill>
-              </a:rPr>
-              <a:t> has been called.</a:t>
-            </a:r>
-          </a:p>
-          <a:p>
-            <a:r>
-              <a:rPr lang="en-US" sz="2000" dirty="0">
-                <a:solidFill>
-                  <a:schemeClr val="accent1">
-                    <a:lumMod val="60000"/>
-                    <a:lumOff val="40000"/>
-                  </a:schemeClr>
-                </a:solidFill>
-              </a:rPr>
-              <a:t>You have to either call </a:t>
-            </a:r>
-            <a:r>
-              <a:rPr lang="en-US" sz="2000" dirty="0"/>
-              <a:t>Connect</a:t>
-            </a:r>
-            <a:r>
-              <a:rPr lang="en-US" sz="2000" dirty="0">
-                <a:solidFill>
-                  <a:schemeClr val="accent1">
-                    <a:lumMod val="60000"/>
-                    <a:lumOff val="40000"/>
-                  </a:schemeClr>
-                </a:solidFill>
-              </a:rPr>
-              <a:t> or </a:t>
-            </a:r>
-            <a:r>
-              <a:rPr lang="en-US" sz="2000" dirty="0"/>
-              <a:t>Accept</a:t>
-            </a:r>
-            <a:r>
-              <a:rPr lang="en-US" sz="2000" dirty="0">
-                <a:solidFill>
-                  <a:schemeClr val="accent1">
-                    <a:lumMod val="60000"/>
-                    <a:lumOff val="40000"/>
-                  </a:schemeClr>
-                </a:solidFill>
-              </a:rPr>
-              <a:t> before </a:t>
-            </a:r>
-            <a:r>
-              <a:rPr lang="en-US" sz="2000" dirty="0"/>
-              <a:t>Sending</a:t>
-            </a:r>
-            <a:r>
-              <a:rPr lang="en-US" sz="2000" dirty="0">
-                <a:solidFill>
-                  <a:schemeClr val="accent1">
-                    <a:lumMod val="60000"/>
-                    <a:lumOff val="40000"/>
-                  </a:schemeClr>
-                </a:solidFill>
-              </a:rPr>
-              <a:t> and </a:t>
-            </a:r>
-            <a:r>
-              <a:rPr lang="en-US" sz="2000" dirty="0"/>
-              <a:t>Receiving</a:t>
-            </a:r>
-            <a:r>
-              <a:rPr lang="en-US" sz="2000" dirty="0">
-                <a:solidFill>
-                  <a:schemeClr val="accent1">
-                    <a:lumMod val="60000"/>
-                    <a:lumOff val="40000"/>
-                  </a:schemeClr>
-                </a:solidFill>
-              </a:rPr>
-              <a:t> data.</a:t>
-            </a:r>
-          </a:p>
-          <a:p>
-            <a:r>
-              <a:rPr lang="en-US" sz="2000" dirty="0">
-                <a:solidFill>
-                  <a:schemeClr val="accent1">
-                    <a:lumMod val="60000"/>
-                    <a:lumOff val="40000"/>
-                  </a:schemeClr>
-                </a:solidFill>
-              </a:rPr>
-              <a:t>If the socket has been </a:t>
-            </a:r>
-            <a:r>
-              <a:rPr lang="en-US" sz="2000" dirty="0"/>
-              <a:t>previously disconnected</a:t>
-            </a:r>
-            <a:r>
-              <a:rPr lang="en-US" sz="2000" dirty="0">
-                <a:solidFill>
-                  <a:schemeClr val="accent1">
-                    <a:lumMod val="60000"/>
-                    <a:lumOff val="40000"/>
-                  </a:schemeClr>
-                </a:solidFill>
-              </a:rPr>
-              <a:t>, then you cannot use Connect to restore the connection.</a:t>
-            </a:r>
-          </a:p>
-          <a:p>
-            <a:endParaRPr lang="en-US" sz="2000" dirty="0"/>
+              <a:rPr lang="en-US" dirty="0"/>
+              <a:t>Send</a:t>
+            </a:r>
+            <a:r>
+              <a:rPr lang="en-US" dirty="0">
+                <a:solidFill>
+                  <a:schemeClr val="accent1">
+                    <a:lumMod val="60000"/>
+                    <a:lumOff val="40000"/>
+                  </a:schemeClr>
+                </a:solidFill>
+              </a:rPr>
+              <a:t>(byte[] buffer);</a:t>
+            </a:r>
           </a:p>
         </p:txBody>
       </p:sp>
     </p:spTree>
     <p:extLst>
       <p:ext uri="{BB962C8B-B14F-4D97-AF65-F5344CB8AC3E}">
-        <p14:creationId xmlns:p14="http://schemas.microsoft.com/office/powerpoint/2010/main" val="840034146"/>
+        <p14:creationId xmlns:p14="http://schemas.microsoft.com/office/powerpoint/2010/main" val="2041624324"/>
       </p:ext>
     </p:extLst>
   </p:cSld>
@@ -5082,6 +4715,607 @@
           <a:p>
             <a:r>
               <a:rPr lang="en-US" dirty="0" smtClean="0"/>
+              <a:t>Rules of the Socket class</a:t>
+            </a:r>
+            <a:endParaRPr lang="en-US" dirty="0"/>
+          </a:p>
+        </p:txBody>
+      </p:sp>
+      <p:sp>
+        <p:nvSpPr>
+          <p:cNvPr id="3" name="Content Placeholder 2"/>
+          <p:cNvSpPr>
+            <a:spLocks noGrp="1"/>
+          </p:cNvSpPr>
+          <p:nvPr>
+            <p:ph idx="1"/>
+          </p:nvPr>
+        </p:nvSpPr>
+        <p:spPr>
+          <a:xfrm>
+            <a:off x="457200" y="1447800"/>
+            <a:ext cx="7467600" cy="5105400"/>
+          </a:xfrm>
+        </p:spPr>
+        <p:txBody>
+          <a:bodyPr>
+            <a:noAutofit/>
+          </a:bodyPr>
+          <a:lstStyle/>
+          <a:p>
+            <a:r>
+              <a:rPr lang="en-US" sz="2000" dirty="0">
+                <a:solidFill>
+                  <a:schemeClr val="accent1">
+                    <a:lumMod val="60000"/>
+                    <a:lumOff val="40000"/>
+                  </a:schemeClr>
+                </a:solidFill>
+              </a:rPr>
+              <a:t>You cannot use a Socket returned from </a:t>
+            </a:r>
+            <a:r>
+              <a:rPr lang="en-US" sz="2000" dirty="0"/>
+              <a:t>Accept</a:t>
+            </a:r>
+            <a:r>
+              <a:rPr lang="en-US" sz="2000" dirty="0">
+                <a:solidFill>
+                  <a:schemeClr val="accent1">
+                    <a:lumMod val="60000"/>
+                    <a:lumOff val="40000"/>
+                  </a:schemeClr>
+                </a:solidFill>
+              </a:rPr>
+              <a:t> to accept any </a:t>
+            </a:r>
+            <a:r>
+              <a:rPr lang="en-US" sz="2000" dirty="0"/>
+              <a:t>additional</a:t>
+            </a:r>
+            <a:r>
+              <a:rPr lang="en-US" sz="2000" dirty="0">
+                <a:solidFill>
+                  <a:schemeClr val="accent1">
+                    <a:lumMod val="60000"/>
+                    <a:lumOff val="40000"/>
+                  </a:schemeClr>
+                </a:solidFill>
+              </a:rPr>
+              <a:t> connections from the connection queue.</a:t>
+            </a:r>
+          </a:p>
+          <a:p>
+            <a:r>
+              <a:rPr lang="en-US" sz="2000" dirty="0">
+                <a:solidFill>
+                  <a:schemeClr val="accent1">
+                    <a:lumMod val="60000"/>
+                    <a:lumOff val="40000"/>
+                  </a:schemeClr>
+                </a:solidFill>
+              </a:rPr>
+              <a:t>You cannot call Accept, Bind, Connect, Listen, Receive, or Send if the </a:t>
+            </a:r>
+            <a:r>
+              <a:rPr lang="en-US" sz="2000" dirty="0"/>
+              <a:t>socket has been closed</a:t>
+            </a:r>
+            <a:r>
+              <a:rPr lang="en-US" sz="2000" dirty="0">
+                <a:solidFill>
+                  <a:schemeClr val="accent1">
+                    <a:lumMod val="60000"/>
+                    <a:lumOff val="40000"/>
+                  </a:schemeClr>
+                </a:solidFill>
+              </a:rPr>
+              <a:t>.</a:t>
+            </a:r>
+          </a:p>
+          <a:p>
+            <a:r>
+              <a:rPr lang="en-US" sz="2000" dirty="0">
+                <a:solidFill>
+                  <a:schemeClr val="accent1">
+                    <a:lumMod val="60000"/>
+                    <a:lumOff val="40000"/>
+                  </a:schemeClr>
+                </a:solidFill>
+              </a:rPr>
+              <a:t>You must call </a:t>
+            </a:r>
+            <a:r>
+              <a:rPr lang="en-US" sz="2000" dirty="0"/>
+              <a:t>Bind</a:t>
+            </a:r>
+            <a:r>
+              <a:rPr lang="en-US" sz="2000" dirty="0">
+                <a:solidFill>
+                  <a:schemeClr val="accent1">
+                    <a:lumMod val="60000"/>
+                    <a:lumOff val="40000"/>
+                  </a:schemeClr>
+                </a:solidFill>
+              </a:rPr>
+              <a:t> before you can call the </a:t>
+            </a:r>
+            <a:r>
+              <a:rPr lang="en-US" sz="2000" dirty="0"/>
+              <a:t>Listen</a:t>
+            </a:r>
+            <a:r>
+              <a:rPr lang="en-US" sz="2000" dirty="0">
+                <a:solidFill>
+                  <a:schemeClr val="accent1">
+                    <a:lumMod val="60000"/>
+                    <a:lumOff val="40000"/>
+                  </a:schemeClr>
+                </a:solidFill>
+              </a:rPr>
+              <a:t> method.</a:t>
+            </a:r>
+          </a:p>
+          <a:p>
+            <a:r>
+              <a:rPr lang="en-US" sz="2000" dirty="0" smtClean="0">
+                <a:solidFill>
+                  <a:schemeClr val="accent1">
+                    <a:lumMod val="60000"/>
+                    <a:lumOff val="40000"/>
+                  </a:schemeClr>
+                </a:solidFill>
+              </a:rPr>
+              <a:t>You must call </a:t>
+            </a:r>
+            <a:r>
+              <a:rPr lang="en-US" sz="2000" dirty="0" smtClean="0"/>
+              <a:t>Listen </a:t>
+            </a:r>
+            <a:r>
+              <a:rPr lang="en-US" sz="2000" dirty="0" smtClean="0">
+                <a:solidFill>
+                  <a:schemeClr val="accent1">
+                    <a:lumMod val="60000"/>
+                    <a:lumOff val="40000"/>
+                  </a:schemeClr>
+                </a:solidFill>
+              </a:rPr>
+              <a:t>before</a:t>
+            </a:r>
+            <a:r>
+              <a:rPr lang="en-US" sz="2000" dirty="0" smtClean="0"/>
+              <a:t> </a:t>
+            </a:r>
+            <a:r>
+              <a:rPr lang="en-US" sz="2000" dirty="0" smtClean="0">
+                <a:solidFill>
+                  <a:schemeClr val="accent1">
+                    <a:lumMod val="60000"/>
+                    <a:lumOff val="40000"/>
+                  </a:schemeClr>
+                </a:solidFill>
+              </a:rPr>
+              <a:t>calling </a:t>
+            </a:r>
+            <a:r>
+              <a:rPr lang="en-US" sz="2000" dirty="0" smtClean="0"/>
+              <a:t>Accept</a:t>
+            </a:r>
+            <a:r>
+              <a:rPr lang="en-US" sz="2000" dirty="0" smtClean="0">
+                <a:solidFill>
+                  <a:schemeClr val="accent1">
+                    <a:lumMod val="60000"/>
+                    <a:lumOff val="40000"/>
+                  </a:schemeClr>
+                </a:solidFill>
+              </a:rPr>
+              <a:t>.</a:t>
+            </a:r>
+          </a:p>
+          <a:p>
+            <a:r>
+              <a:rPr lang="en-US" sz="2000" dirty="0" smtClean="0">
+                <a:solidFill>
+                  <a:schemeClr val="accent1">
+                    <a:lumMod val="60000"/>
+                    <a:lumOff val="40000"/>
+                  </a:schemeClr>
+                </a:solidFill>
+              </a:rPr>
+              <a:t>Connect(string host, </a:t>
+            </a:r>
+            <a:r>
+              <a:rPr lang="en-US" sz="2000" dirty="0" err="1" smtClean="0">
+                <a:solidFill>
+                  <a:schemeClr val="accent1">
+                    <a:lumMod val="60000"/>
+                    <a:lumOff val="40000"/>
+                  </a:schemeClr>
+                </a:solidFill>
+              </a:rPr>
+              <a:t>int</a:t>
+            </a:r>
+            <a:r>
+              <a:rPr lang="en-US" sz="2000" dirty="0" smtClean="0">
+                <a:solidFill>
+                  <a:schemeClr val="accent1">
+                    <a:lumMod val="60000"/>
+                    <a:lumOff val="40000"/>
+                  </a:schemeClr>
+                </a:solidFill>
+              </a:rPr>
+              <a:t> port) can only be called if </a:t>
+            </a:r>
+            <a:r>
+              <a:rPr lang="en-US" sz="2000" dirty="0" err="1" smtClean="0">
+                <a:solidFill>
+                  <a:schemeClr val="accent1">
+                    <a:lumMod val="60000"/>
+                    <a:lumOff val="40000"/>
+                  </a:schemeClr>
+                </a:solidFill>
+              </a:rPr>
+              <a:t>addressFamily</a:t>
+            </a:r>
+            <a:r>
+              <a:rPr lang="en-US" sz="2000" dirty="0" smtClean="0">
+                <a:solidFill>
+                  <a:schemeClr val="accent1">
+                    <a:lumMod val="60000"/>
+                    <a:lumOff val="40000"/>
+                  </a:schemeClr>
+                </a:solidFill>
+              </a:rPr>
+              <a:t> is either </a:t>
+            </a:r>
+            <a:r>
+              <a:rPr lang="en-US" sz="2000" dirty="0" err="1" smtClean="0"/>
+              <a:t>InterNetwork</a:t>
+            </a:r>
+            <a:r>
+              <a:rPr lang="en-US" sz="2000" dirty="0" smtClean="0"/>
+              <a:t> </a:t>
+            </a:r>
+            <a:r>
+              <a:rPr lang="en-US" sz="2000" dirty="0" smtClean="0">
+                <a:solidFill>
+                  <a:schemeClr val="accent1">
+                    <a:lumMod val="60000"/>
+                    <a:lumOff val="40000"/>
+                  </a:schemeClr>
+                </a:solidFill>
+              </a:rPr>
+              <a:t>or </a:t>
+            </a:r>
+            <a:r>
+              <a:rPr lang="en-US" sz="2000" dirty="0" smtClean="0"/>
+              <a:t>InterNetworkV6</a:t>
+            </a:r>
+            <a:r>
+              <a:rPr lang="en-US" sz="2000" dirty="0" smtClean="0">
+                <a:solidFill>
+                  <a:schemeClr val="accent1">
+                    <a:lumMod val="60000"/>
+                    <a:lumOff val="40000"/>
+                  </a:schemeClr>
+                </a:solidFill>
+              </a:rPr>
+              <a:t>.</a:t>
+            </a:r>
+          </a:p>
+          <a:p>
+            <a:r>
+              <a:rPr lang="en-US" sz="2000" dirty="0" smtClean="0"/>
+              <a:t>Connect</a:t>
+            </a:r>
+            <a:r>
+              <a:rPr lang="en-US" sz="2000" dirty="0" smtClean="0">
+                <a:solidFill>
+                  <a:schemeClr val="accent1">
+                    <a:lumMod val="60000"/>
+                    <a:lumOff val="40000"/>
+                  </a:schemeClr>
+                </a:solidFill>
+              </a:rPr>
+              <a:t> </a:t>
+            </a:r>
+            <a:r>
+              <a:rPr lang="en-US" sz="2000" dirty="0">
+                <a:solidFill>
+                  <a:schemeClr val="accent1">
+                    <a:lumMod val="60000"/>
+                    <a:lumOff val="40000"/>
+                  </a:schemeClr>
+                </a:solidFill>
+              </a:rPr>
+              <a:t>cannot be called if </a:t>
+            </a:r>
+            <a:r>
+              <a:rPr lang="en-US" sz="2000" dirty="0"/>
+              <a:t>Listen</a:t>
+            </a:r>
+            <a:r>
+              <a:rPr lang="en-US" sz="2000" dirty="0">
+                <a:solidFill>
+                  <a:schemeClr val="accent1">
+                    <a:lumMod val="60000"/>
+                    <a:lumOff val="40000"/>
+                  </a:schemeClr>
+                </a:solidFill>
+              </a:rPr>
+              <a:t> has been called.</a:t>
+            </a:r>
+          </a:p>
+          <a:p>
+            <a:r>
+              <a:rPr lang="en-US" sz="2000" dirty="0">
+                <a:solidFill>
+                  <a:schemeClr val="accent1">
+                    <a:lumMod val="60000"/>
+                    <a:lumOff val="40000"/>
+                  </a:schemeClr>
+                </a:solidFill>
+              </a:rPr>
+              <a:t>You have to either call </a:t>
+            </a:r>
+            <a:r>
+              <a:rPr lang="en-US" sz="2000" dirty="0"/>
+              <a:t>Connect</a:t>
+            </a:r>
+            <a:r>
+              <a:rPr lang="en-US" sz="2000" dirty="0">
+                <a:solidFill>
+                  <a:schemeClr val="accent1">
+                    <a:lumMod val="60000"/>
+                    <a:lumOff val="40000"/>
+                  </a:schemeClr>
+                </a:solidFill>
+              </a:rPr>
+              <a:t> or </a:t>
+            </a:r>
+            <a:r>
+              <a:rPr lang="en-US" sz="2000" dirty="0"/>
+              <a:t>Accept</a:t>
+            </a:r>
+            <a:r>
+              <a:rPr lang="en-US" sz="2000" dirty="0">
+                <a:solidFill>
+                  <a:schemeClr val="accent1">
+                    <a:lumMod val="60000"/>
+                    <a:lumOff val="40000"/>
+                  </a:schemeClr>
+                </a:solidFill>
+              </a:rPr>
+              <a:t> before </a:t>
+            </a:r>
+            <a:r>
+              <a:rPr lang="en-US" sz="2000" dirty="0"/>
+              <a:t>Sending</a:t>
+            </a:r>
+            <a:r>
+              <a:rPr lang="en-US" sz="2000" dirty="0">
+                <a:solidFill>
+                  <a:schemeClr val="accent1">
+                    <a:lumMod val="60000"/>
+                    <a:lumOff val="40000"/>
+                  </a:schemeClr>
+                </a:solidFill>
+              </a:rPr>
+              <a:t> and </a:t>
+            </a:r>
+            <a:r>
+              <a:rPr lang="en-US" sz="2000" dirty="0"/>
+              <a:t>Receiving</a:t>
+            </a:r>
+            <a:r>
+              <a:rPr lang="en-US" sz="2000" dirty="0">
+                <a:solidFill>
+                  <a:schemeClr val="accent1">
+                    <a:lumMod val="60000"/>
+                    <a:lumOff val="40000"/>
+                  </a:schemeClr>
+                </a:solidFill>
+              </a:rPr>
+              <a:t> data.</a:t>
+            </a:r>
+          </a:p>
+          <a:p>
+            <a:r>
+              <a:rPr lang="en-US" sz="2000" dirty="0">
+                <a:solidFill>
+                  <a:schemeClr val="accent1">
+                    <a:lumMod val="60000"/>
+                    <a:lumOff val="40000"/>
+                  </a:schemeClr>
+                </a:solidFill>
+              </a:rPr>
+              <a:t>If the socket has been </a:t>
+            </a:r>
+            <a:r>
+              <a:rPr lang="en-US" sz="2000" dirty="0"/>
+              <a:t>previously disconnected</a:t>
+            </a:r>
+            <a:r>
+              <a:rPr lang="en-US" sz="2000" dirty="0">
+                <a:solidFill>
+                  <a:schemeClr val="accent1">
+                    <a:lumMod val="60000"/>
+                    <a:lumOff val="40000"/>
+                  </a:schemeClr>
+                </a:solidFill>
+              </a:rPr>
+              <a:t>, then you cannot use Connect to restore the connection.</a:t>
+            </a:r>
+          </a:p>
+          <a:p>
+            <a:endParaRPr lang="en-US" sz="2000" dirty="0"/>
+          </a:p>
+        </p:txBody>
+      </p:sp>
+    </p:spTree>
+    <p:extLst>
+      <p:ext uri="{BB962C8B-B14F-4D97-AF65-F5344CB8AC3E}">
+        <p14:creationId xmlns:p14="http://schemas.microsoft.com/office/powerpoint/2010/main" val="840034146"/>
+      </p:ext>
+    </p:extLst>
+  </p:cSld>
+  <p:clrMapOvr>
+    <a:masterClrMapping/>
+  </p:clrMapOvr>
+  <p:timing>
+    <p:tnLst>
+      <p:par>
+        <p:cTn id="1" dur="indefinite" restart="never" nodeType="tmRoot"/>
+      </p:par>
+    </p:tnLst>
+  </p:timing>
+</p:sld>
+</file>
+
+<file path=ppt/slides/slide13.xml><?xml version="1.0" encoding="utf-8"?>
+<p:sld xmlns:a="http://schemas.openxmlformats.org/drawingml/2006/main" xmlns:r="http://schemas.openxmlformats.org/officeDocument/2006/relationships" xmlns:p="http://schemas.openxmlformats.org/presentationml/2006/main">
+  <p:cSld>
+    <p:spTree>
+      <p:nvGrpSpPr>
+        <p:cNvPr id="1" name=""/>
+        <p:cNvGrpSpPr/>
+        <p:nvPr/>
+      </p:nvGrpSpPr>
+      <p:grpSpPr>
+        <a:xfrm>
+          <a:off x="0" y="0"/>
+          <a:ext cx="0" cy="0"/>
+          <a:chOff x="0" y="0"/>
+          <a:chExt cx="0" cy="0"/>
+        </a:xfrm>
+      </p:grpSpPr>
+      <p:sp>
+        <p:nvSpPr>
+          <p:cNvPr id="2" name="Title 1"/>
+          <p:cNvSpPr>
+            <a:spLocks noGrp="1"/>
+          </p:cNvSpPr>
+          <p:nvPr>
+            <p:ph type="title"/>
+          </p:nvPr>
+        </p:nvSpPr>
+        <p:spPr/>
+        <p:txBody>
+          <a:bodyPr/>
+          <a:lstStyle/>
+          <a:p>
+            <a:r>
+              <a:rPr lang="en-US" dirty="0" smtClean="0"/>
+              <a:t>Degrees of Freedom</a:t>
+            </a:r>
+            <a:endParaRPr lang="en-US" dirty="0"/>
+          </a:p>
+        </p:txBody>
+      </p:sp>
+      <p:sp>
+        <p:nvSpPr>
+          <p:cNvPr id="3" name="Content Placeholder 2"/>
+          <p:cNvSpPr>
+            <a:spLocks noGrp="1"/>
+          </p:cNvSpPr>
+          <p:nvPr>
+            <p:ph idx="1"/>
+          </p:nvPr>
+        </p:nvSpPr>
+        <p:spPr/>
+        <p:txBody>
+          <a:bodyPr/>
+          <a:lstStyle/>
+          <a:p>
+            <a:r>
+              <a:rPr lang="en-US" dirty="0" smtClean="0"/>
+              <a:t>A copy can get out of sync</a:t>
+            </a:r>
+          </a:p>
+          <a:p>
+            <a:r>
+              <a:rPr lang="en-US" dirty="0" err="1" smtClean="0"/>
+              <a:t>Todo</a:t>
+            </a:r>
+            <a:r>
+              <a:rPr lang="en-US" dirty="0" smtClean="0"/>
+              <a:t> lists in OneNote</a:t>
+            </a:r>
+          </a:p>
+          <a:p>
+            <a:r>
+              <a:rPr lang="en-US" dirty="0" smtClean="0"/>
+              <a:t>View Models</a:t>
+            </a:r>
+          </a:p>
+          <a:p>
+            <a:r>
+              <a:rPr lang="en-US" dirty="0" smtClean="0"/>
+              <a:t>Message bus and </a:t>
+            </a:r>
+            <a:r>
+              <a:rPr lang="en-US" dirty="0" smtClean="0"/>
+              <a:t>Observer</a:t>
+            </a:r>
+          </a:p>
+          <a:p>
+            <a:r>
+              <a:rPr lang="en-US" smtClean="0"/>
+              <a:t>Domino programming</a:t>
+            </a:r>
+            <a:endParaRPr lang="en-US" dirty="0"/>
+          </a:p>
+        </p:txBody>
+      </p:sp>
+    </p:spTree>
+    <p:extLst>
+      <p:ext uri="{BB962C8B-B14F-4D97-AF65-F5344CB8AC3E}">
+        <p14:creationId xmlns:p14="http://schemas.microsoft.com/office/powerpoint/2010/main" val="2002987571"/>
+      </p:ext>
+    </p:extLst>
+  </p:cSld>
+  <p:clrMapOvr>
+    <a:masterClrMapping/>
+  </p:clrMapOvr>
+</p:sld>
+</file>
+
+<file path=ppt/slides/slide14.xml><?xml version="1.0" encoding="utf-8"?>
+<p:sld xmlns:a="http://schemas.openxmlformats.org/drawingml/2006/main" xmlns:r="http://schemas.openxmlformats.org/officeDocument/2006/relationships" xmlns:p="http://schemas.openxmlformats.org/presentationml/2006/main">
+  <p:cSld>
+    <p:spTree>
+      <p:nvGrpSpPr>
+        <p:cNvPr id="1" name=""/>
+        <p:cNvGrpSpPr/>
+        <p:nvPr/>
+      </p:nvGrpSpPr>
+      <p:grpSpPr>
+        <a:xfrm>
+          <a:off x="0" y="0"/>
+          <a:ext cx="0" cy="0"/>
+          <a:chOff x="0" y="0"/>
+          <a:chExt cx="0" cy="0"/>
+        </a:xfrm>
+      </p:grpSpPr>
+      <p:sp>
+        <p:nvSpPr>
+          <p:cNvPr id="2" name="Title 1"/>
+          <p:cNvSpPr>
+            <a:spLocks noGrp="1"/>
+          </p:cNvSpPr>
+          <p:nvPr>
+            <p:ph type="title"/>
+          </p:nvPr>
+        </p:nvSpPr>
+        <p:spPr/>
+        <p:txBody>
+          <a:bodyPr/>
+          <a:lstStyle/>
+          <a:p>
+            <a:r>
+              <a:rPr lang="en-US" dirty="0" smtClean="0"/>
               <a:t>Provable Code</a:t>
             </a:r>
             <a:endParaRPr lang="en-US" dirty="0"/>
@@ -5110,7 +5344,7 @@
             </a:pPr>
             <a:r>
               <a:rPr lang="en-US" sz="4800" dirty="0" smtClean="0"/>
-              <a:t>pluralsight.com</a:t>
+              <a:t>June 20</a:t>
             </a:r>
             <a:endParaRPr lang="en-US" sz="4800" dirty="0"/>
           </a:p>
@@ -6242,110 +6476,58 @@
           <a:chExt cx="0" cy="0"/>
         </a:xfrm>
       </p:grpSpPr>
-      <p:pic>
-        <p:nvPicPr>
-          <p:cNvPr id="4098" name="Picture 2"/>
-          <p:cNvPicPr>
-            <a:picLocks noGrp="1" noChangeAspect="1" noChangeArrowheads="1"/>
-          </p:cNvPicPr>
+      <p:sp>
+        <p:nvSpPr>
+          <p:cNvPr id="2" name="Title 1"/>
+          <p:cNvSpPr>
+            <a:spLocks noGrp="1"/>
+          </p:cNvSpPr>
+          <p:nvPr>
+            <p:ph type="title"/>
+          </p:nvPr>
+        </p:nvSpPr>
+        <p:spPr/>
+        <p:txBody>
+          <a:bodyPr/>
+          <a:lstStyle/>
+          <a:p>
+            <a:r>
+              <a:rPr lang="en-US" dirty="0" smtClean="0"/>
+              <a:t>Builder</a:t>
+            </a:r>
+            <a:endParaRPr lang="en-US" dirty="0"/>
+          </a:p>
+        </p:txBody>
+      </p:sp>
+      <p:sp>
+        <p:nvSpPr>
+          <p:cNvPr id="3" name="Content Placeholder 2"/>
+          <p:cNvSpPr>
+            <a:spLocks noGrp="1"/>
+          </p:cNvSpPr>
           <p:nvPr>
             <p:ph idx="1"/>
           </p:nvPr>
-        </p:nvPicPr>
-        <p:blipFill rotWithShape="1">
-          <a:blip r:embed="rId3" cstate="print"/>
-          <a:srcRect r="1639"/>
-          <a:stretch/>
-        </p:blipFill>
-        <p:spPr bwMode="auto">
-          <a:xfrm>
-            <a:off x="0" y="0"/>
-            <a:ext cx="9144000" cy="6851253"/>
-          </a:xfrm>
-          <a:prstGeom prst="rect">
-            <a:avLst/>
-          </a:prstGeom>
-          <a:noFill/>
-          <a:ln w="9525">
-            <a:noFill/>
-            <a:miter lim="800000"/>
-            <a:headEnd/>
-            <a:tailEnd/>
-          </a:ln>
-          <a:effectLst/>
-        </p:spPr>
-      </p:pic>
-      <p:sp>
-        <p:nvSpPr>
-          <p:cNvPr id="2" name="Title 1"/>
-          <p:cNvSpPr>
-            <a:spLocks noGrp="1"/>
-          </p:cNvSpPr>
-          <p:nvPr>
-            <p:ph type="title"/>
-          </p:nvPr>
         </p:nvSpPr>
         <p:spPr/>
         <p:txBody>
-          <a:bodyPr>
-            <a:normAutofit/>
-          </a:bodyPr>
-          <a:lstStyle/>
-          <a:p>
-            <a:r>
-              <a:rPr lang="en-US" dirty="0" smtClean="0">
-                <a:ln w="18415" cmpd="sng">
-                  <a:solidFill>
-                    <a:srgbClr val="FFFFFF"/>
-                  </a:solidFill>
-                  <a:prstDash val="solid"/>
-                </a:ln>
-                <a:solidFill>
-                  <a:srgbClr val="FFFFFF"/>
-                </a:solidFill>
-                <a:effectLst>
-                  <a:outerShdw blurRad="63500" dir="3600000" algn="tl" rotWithShape="0">
-                    <a:srgbClr val="000000">
-                      <a:alpha val="70000"/>
-                    </a:srgbClr>
-                  </a:outerShdw>
-                </a:effectLst>
-              </a:rPr>
-              <a:t>Constructors</a:t>
-            </a:r>
-            <a:endParaRPr lang="en-US" dirty="0">
-              <a:ln w="18415" cmpd="sng">
-                <a:solidFill>
-                  <a:srgbClr val="FFFFFF"/>
-                </a:solidFill>
-                <a:prstDash val="solid"/>
-              </a:ln>
-              <a:solidFill>
-                <a:srgbClr val="FFFFFF"/>
-              </a:solidFill>
-              <a:effectLst>
-                <a:outerShdw blurRad="63500" dir="3600000" algn="tl" rotWithShape="0">
-                  <a:srgbClr val="000000">
-                    <a:alpha val="70000"/>
-                  </a:srgbClr>
-                </a:outerShdw>
-              </a:effectLst>
-            </a:endParaRPr>
+          <a:bodyPr/>
+          <a:lstStyle/>
+          <a:p>
+            <a:endParaRPr lang="en-US"/>
           </a:p>
         </p:txBody>
       </p:sp>
     </p:spTree>
+    <p:extLst>
+      <p:ext uri="{BB962C8B-B14F-4D97-AF65-F5344CB8AC3E}">
+        <p14:creationId xmlns:p14="http://schemas.microsoft.com/office/powerpoint/2010/main" val="991743099"/>
+      </p:ext>
+    </p:extLst>
   </p:cSld>
   <p:clrMapOvr>
     <a:masterClrMapping/>
   </p:clrMapOvr>
-  <p:timing>
-    <p:tnLst>
-      <p:par>
-        <p:cTn id="1" dur="indefinite" restart="never" nodeType="tmRoot"/>
-      </p:par>
-    </p:tnLst>
-  </p:timing>
 </p:sld>
 </file>
 

--- a/Presentation/4 Ways to Prevent Code Abuse.pptx
+++ b/Presentation/4 Ways to Prevent Code Abuse.pptx
@@ -5,7 +5,7 @@
     <p:sldMasterId id="2147483660" r:id="rId1"/>
   </p:sldMasterIdLst>
   <p:notesMasterIdLst>
-    <p:notesMasterId r:id="rId16"/>
+    <p:notesMasterId r:id="rId14"/>
   </p:notesMasterIdLst>
   <p:sldIdLst>
     <p:sldId id="256" r:id="rId2"/>
@@ -16,12 +16,10 @@
     <p:sldId id="261" r:id="rId7"/>
     <p:sldId id="262" r:id="rId8"/>
     <p:sldId id="271" r:id="rId9"/>
-    <p:sldId id="281" r:id="rId10"/>
-    <p:sldId id="263" r:id="rId11"/>
-    <p:sldId id="275" r:id="rId12"/>
-    <p:sldId id="274" r:id="rId13"/>
-    <p:sldId id="280" r:id="rId14"/>
-    <p:sldId id="277" r:id="rId15"/>
+    <p:sldId id="263" r:id="rId10"/>
+    <p:sldId id="275" r:id="rId11"/>
+    <p:sldId id="274" r:id="rId12"/>
+    <p:sldId id="277" r:id="rId13"/>
   </p:sldIdLst>
   <p:sldSz cx="9144000" cy="6858000" type="screen4x3"/>
   <p:notesSz cx="6858000" cy="9144000"/>
@@ -206,7 +204,7 @@
             <a:fld id="{CF6EB8F4-F731-44EF-AF40-3FD2AB13EFEA}" type="datetimeFigureOut">
               <a:rPr lang="en-US" smtClean="0"/>
               <a:pPr/>
-              <a:t>5/16/2012</a:t>
+              <a:t>5/17/2012</a:t>
             </a:fld>
             <a:endParaRPr lang="en-US"/>
           </a:p>
@@ -899,7 +897,7 @@
             <a:fld id="{5E316504-420D-4382-915B-294F6A84A749}" type="slidenum">
               <a:rPr lang="en-US" smtClean="0"/>
               <a:pPr/>
-              <a:t>10</a:t>
+              <a:t>9</a:t>
             </a:fld>
             <a:endParaRPr lang="en-US"/>
           </a:p>
@@ -950,13 +948,13 @@
           <a:bodyPr rIns="45720" anchor="t"/>
           <a:lstStyle>
             <a:lvl1pPr algn="r">
-              <a:defRPr lang="en-US" b="1" cap="all" baseline="0" dirty="0">
+              <a:defRPr lang="en-US" b="1" cap="none" baseline="0" dirty="0">
                 <a:ln w="5000" cmpd="sng">
                   <a:noFill/>
                   <a:prstDash val="solid"/>
                 </a:ln>
                 <a:solidFill>
-                  <a:srgbClr val="8CACB2"/>
+                  <a:srgbClr val="466266"/>
                 </a:solidFill>
                 <a:effectLst/>
               </a:defRPr>
@@ -1053,7 +1051,7 @@
             <a:fld id="{1D8BD707-D9CF-40AE-B4C6-C98DA3205C09}" type="datetimeFigureOut">
               <a:rPr lang="en-US" smtClean="0"/>
               <a:pPr/>
-              <a:t>5/16/2012</a:t>
+              <a:t>5/17/2012</a:t>
             </a:fld>
             <a:endParaRPr lang="en-US"/>
           </a:p>
@@ -1220,7 +1218,7 @@
             <a:fld id="{1D8BD707-D9CF-40AE-B4C6-C98DA3205C09}" type="datetimeFigureOut">
               <a:rPr lang="en-US" smtClean="0"/>
               <a:pPr/>
-              <a:t>5/16/2012</a:t>
+              <a:t>5/17/2012</a:t>
             </a:fld>
             <a:endParaRPr lang="en-US"/>
           </a:p>
@@ -1397,7 +1395,7 @@
             <a:fld id="{1D8BD707-D9CF-40AE-B4C6-C98DA3205C09}" type="datetimeFigureOut">
               <a:rPr lang="en-US" smtClean="0"/>
               <a:pPr/>
-              <a:t>5/16/2012</a:t>
+              <a:t>5/17/2012</a:t>
             </a:fld>
             <a:endParaRPr lang="en-US"/>
           </a:p>
@@ -1568,7 +1566,7 @@
             <a:fld id="{1D8BD707-D9CF-40AE-B4C6-C98DA3205C09}" type="datetimeFigureOut">
               <a:rPr lang="en-US" smtClean="0"/>
               <a:pPr/>
-              <a:t>5/16/2012</a:t>
+              <a:t>5/17/2012</a:t>
             </a:fld>
             <a:endParaRPr lang="en-US"/>
           </a:p>
@@ -1824,7 +1822,7 @@
             <a:fld id="{1D8BD707-D9CF-40AE-B4C6-C98DA3205C09}" type="datetimeFigureOut">
               <a:rPr lang="en-US" smtClean="0"/>
               <a:pPr/>
-              <a:t>5/16/2012</a:t>
+              <a:t>5/17/2012</a:t>
             </a:fld>
             <a:endParaRPr lang="en-US"/>
           </a:p>
@@ -2090,7 +2088,7 @@
             <a:fld id="{1D8BD707-D9CF-40AE-B4C6-C98DA3205C09}" type="datetimeFigureOut">
               <a:rPr lang="en-US" smtClean="0"/>
               <a:pPr/>
-              <a:t>5/16/2012</a:t>
+              <a:t>5/17/2012</a:t>
             </a:fld>
             <a:endParaRPr lang="en-US"/>
           </a:p>
@@ -2466,7 +2464,7 @@
             <a:fld id="{1D8BD707-D9CF-40AE-B4C6-C98DA3205C09}" type="datetimeFigureOut">
               <a:rPr lang="en-US" smtClean="0"/>
               <a:pPr/>
-              <a:t>5/16/2012</a:t>
+              <a:t>5/17/2012</a:t>
             </a:fld>
             <a:endParaRPr lang="en-US"/>
           </a:p>
@@ -2590,7 +2588,7 @@
             <a:fld id="{1D8BD707-D9CF-40AE-B4C6-C98DA3205C09}" type="datetimeFigureOut">
               <a:rPr lang="en-US" smtClean="0"/>
               <a:pPr/>
-              <a:t>5/16/2012</a:t>
+              <a:t>5/17/2012</a:t>
             </a:fld>
             <a:endParaRPr lang="en-US"/>
           </a:p>
@@ -2682,7 +2680,7 @@
             <a:fld id="{1D8BD707-D9CF-40AE-B4C6-C98DA3205C09}" type="datetimeFigureOut">
               <a:rPr lang="en-US" smtClean="0"/>
               <a:pPr/>
-              <a:t>5/16/2012</a:t>
+              <a:t>5/17/2012</a:t>
             </a:fld>
             <a:endParaRPr lang="en-US"/>
           </a:p>
@@ -2933,7 +2931,7 @@
             <a:fld id="{1D8BD707-D9CF-40AE-B4C6-C98DA3205C09}" type="datetimeFigureOut">
               <a:rPr lang="en-US" smtClean="0"/>
               <a:pPr/>
-              <a:t>5/16/2012</a:t>
+              <a:t>5/17/2012</a:t>
             </a:fld>
             <a:endParaRPr lang="en-US"/>
           </a:p>
@@ -3194,7 +3192,7 @@
             <a:fld id="{1D8BD707-D9CF-40AE-B4C6-C98DA3205C09}" type="datetimeFigureOut">
               <a:rPr lang="en-US" smtClean="0"/>
               <a:pPr/>
-              <a:t>5/16/2012</a:t>
+              <a:t>5/17/2012</a:t>
             </a:fld>
             <a:endParaRPr lang="en-US"/>
           </a:p>
@@ -3416,7 +3414,7 @@
             <a:fld id="{1D8BD707-D9CF-40AE-B4C6-C98DA3205C09}" type="datetimeFigureOut">
               <a:rPr lang="en-US" smtClean="0"/>
               <a:pPr/>
-              <a:t>5/16/2012</a:t>
+              <a:t>5/17/2012</a:t>
             </a:fld>
             <a:endParaRPr lang="en-US"/>
           </a:p>
@@ -3895,39 +3893,6 @@
           <a:chExt cx="0" cy="0"/>
         </a:xfrm>
       </p:grpSpPr>
-      <p:pic>
-        <p:nvPicPr>
-          <p:cNvPr id="4098" name="Picture 2"/>
-          <p:cNvPicPr>
-            <a:picLocks noGrp="1" noChangeAspect="1" noChangeArrowheads="1"/>
-          </p:cNvPicPr>
-          <p:nvPr>
-            <p:ph idx="1"/>
-          </p:nvPr>
-        </p:nvPicPr>
-        <p:blipFill rotWithShape="1">
-          <a:blip r:embed="rId3" cstate="print"/>
-          <a:srcRect r="1639"/>
-          <a:stretch/>
-        </p:blipFill>
-        <p:spPr bwMode="auto">
-          <a:xfrm>
-            <a:off x="0" y="0"/>
-            <a:ext cx="9144000" cy="6851253"/>
-          </a:xfrm>
-          <a:prstGeom prst="rect">
-            <a:avLst/>
-          </a:prstGeom>
-          <a:noFill/>
-          <a:ln w="9525">
-            <a:noFill/>
-            <a:miter lim="800000"/>
-            <a:headEnd/>
-            <a:tailEnd/>
-          </a:ln>
-          <a:effectLst/>
-        </p:spPr>
-      </p:pic>
       <p:sp>
         <p:nvSpPr>
           <p:cNvPr id="2" name="Title 1"/>
@@ -3941,53 +3906,641 @@
         <p:spPr/>
         <p:txBody>
           <a:bodyPr>
-            <a:normAutofit/>
+            <a:normAutofit fontScale="90000"/>
           </a:bodyPr>
           <a:lstStyle/>
           <a:p>
             <a:r>
+              <a:rPr lang="en-US" dirty="0" smtClean="0"/>
+              <a:t>Methods of the Socket class</a:t>
+            </a:r>
+            <a:endParaRPr lang="en-US" dirty="0"/>
+          </a:p>
+        </p:txBody>
+      </p:sp>
+      <p:sp>
+        <p:nvSpPr>
+          <p:cNvPr id="3" name="Content Placeholder 2"/>
+          <p:cNvSpPr>
+            <a:spLocks noGrp="1"/>
+          </p:cNvSpPr>
+          <p:nvPr>
+            <p:ph idx="1"/>
+          </p:nvPr>
+        </p:nvSpPr>
+        <p:spPr/>
+        <p:txBody>
+          <a:bodyPr>
+            <a:normAutofit fontScale="85000" lnSpcReduction="20000"/>
+          </a:bodyPr>
+          <a:lstStyle/>
+          <a:p>
+            <a:r>
+              <a:rPr lang="en-US" dirty="0" smtClean="0"/>
+              <a:t>Socket</a:t>
+            </a:r>
+            <a:r>
               <a:rPr lang="en-US" dirty="0" smtClean="0">
-                <a:ln w="18415" cmpd="sng">
-                  <a:solidFill>
-                    <a:srgbClr val="FFFFFF"/>
-                  </a:solidFill>
-                  <a:prstDash val="solid"/>
-                </a:ln>
-                <a:solidFill>
-                  <a:srgbClr val="FFFFFF"/>
-                </a:solidFill>
-                <a:effectLst>
-                  <a:outerShdw blurRad="63500" dir="3600000" algn="tl" rotWithShape="0">
-                    <a:srgbClr val="000000">
-                      <a:alpha val="70000"/>
-                    </a:srgbClr>
-                  </a:outerShdw>
-                </a:effectLst>
-              </a:rPr>
-              <a:t>Constructors</a:t>
+                <a:solidFill>
+                  <a:schemeClr val="accent1">
+                    <a:lumMod val="60000"/>
+                    <a:lumOff val="40000"/>
+                  </a:schemeClr>
+                </a:solidFill>
+              </a:rPr>
+              <a:t>(</a:t>
+            </a:r>
+            <a:r>
+              <a:rPr lang="en-US" dirty="0" err="1" smtClean="0">
+                <a:solidFill>
+                  <a:schemeClr val="accent1">
+                    <a:lumMod val="60000"/>
+                    <a:lumOff val="40000"/>
+                  </a:schemeClr>
+                </a:solidFill>
+              </a:rPr>
+              <a:t>SocketInformation</a:t>
+            </a:r>
+            <a:r>
+              <a:rPr lang="en-US" dirty="0" smtClean="0">
+                <a:solidFill>
+                  <a:schemeClr val="accent1">
+                    <a:lumMod val="60000"/>
+                    <a:lumOff val="40000"/>
+                  </a:schemeClr>
+                </a:solidFill>
+              </a:rPr>
+              <a:t> </a:t>
+            </a:r>
+            <a:r>
+              <a:rPr lang="en-US" dirty="0" err="1" smtClean="0">
+                <a:solidFill>
+                  <a:schemeClr val="accent1">
+                    <a:lumMod val="60000"/>
+                    <a:lumOff val="40000"/>
+                  </a:schemeClr>
+                </a:solidFill>
+              </a:rPr>
+              <a:t>si</a:t>
+            </a:r>
+            <a:r>
+              <a:rPr lang="en-US" dirty="0" smtClean="0">
+                <a:solidFill>
+                  <a:schemeClr val="accent1">
+                    <a:lumMod val="60000"/>
+                    <a:lumOff val="40000"/>
+                  </a:schemeClr>
+                </a:solidFill>
+              </a:rPr>
+              <a:t>);</a:t>
             </a:r>
             <a:endParaRPr lang="en-US" dirty="0">
-              <a:ln w="18415" cmpd="sng">
-                <a:solidFill>
-                  <a:srgbClr val="FFFFFF"/>
-                </a:solidFill>
-                <a:prstDash val="solid"/>
-              </a:ln>
               <a:solidFill>
-                <a:srgbClr val="FFFFFF"/>
+                <a:schemeClr val="accent1">
+                  <a:lumMod val="60000"/>
+                  <a:lumOff val="40000"/>
+                </a:schemeClr>
               </a:solidFill>
-              <a:effectLst>
-                <a:outerShdw blurRad="63500" dir="3600000" algn="tl" rotWithShape="0">
-                  <a:srgbClr val="000000">
-                    <a:alpha val="70000"/>
-                  </a:srgbClr>
-                </a:outerShdw>
-              </a:effectLst>
             </a:endParaRPr>
           </a:p>
+          <a:p>
+            <a:r>
+              <a:rPr lang="en-US" dirty="0" smtClean="0"/>
+              <a:t>Socket</a:t>
+            </a:r>
+            <a:r>
+              <a:rPr lang="en-US" dirty="0" smtClean="0">
+                <a:solidFill>
+                  <a:schemeClr val="accent1">
+                    <a:lumMod val="60000"/>
+                    <a:lumOff val="40000"/>
+                  </a:schemeClr>
+                </a:solidFill>
+              </a:rPr>
+              <a:t>(</a:t>
+            </a:r>
+            <a:r>
+              <a:rPr lang="en-US" dirty="0" err="1" smtClean="0">
+                <a:solidFill>
+                  <a:schemeClr val="accent1">
+                    <a:lumMod val="60000"/>
+                    <a:lumOff val="40000"/>
+                  </a:schemeClr>
+                </a:solidFill>
+              </a:rPr>
+              <a:t>AddressFamily</a:t>
+            </a:r>
+            <a:r>
+              <a:rPr lang="en-US" dirty="0" smtClean="0">
+                <a:solidFill>
+                  <a:schemeClr val="accent1">
+                    <a:lumMod val="60000"/>
+                    <a:lumOff val="40000"/>
+                  </a:schemeClr>
+                </a:solidFill>
+              </a:rPr>
+              <a:t> </a:t>
+            </a:r>
+            <a:r>
+              <a:rPr lang="en-US" dirty="0" err="1" smtClean="0">
+                <a:solidFill>
+                  <a:schemeClr val="accent1">
+                    <a:lumMod val="60000"/>
+                    <a:lumOff val="40000"/>
+                  </a:schemeClr>
+                </a:solidFill>
+              </a:rPr>
+              <a:t>af</a:t>
+            </a:r>
+            <a:r>
+              <a:rPr lang="en-US" dirty="0" smtClean="0">
+                <a:solidFill>
+                  <a:schemeClr val="accent1">
+                    <a:lumMod val="60000"/>
+                    <a:lumOff val="40000"/>
+                  </a:schemeClr>
+                </a:solidFill>
+              </a:rPr>
+              <a:t>, </a:t>
+            </a:r>
+            <a:r>
+              <a:rPr lang="en-US" dirty="0" err="1">
+                <a:solidFill>
+                  <a:schemeClr val="accent1">
+                    <a:lumMod val="60000"/>
+                    <a:lumOff val="40000"/>
+                  </a:schemeClr>
+                </a:solidFill>
+              </a:rPr>
+              <a:t>SocketType</a:t>
+            </a:r>
+            <a:r>
+              <a:rPr lang="en-US" dirty="0">
+                <a:solidFill>
+                  <a:schemeClr val="accent1">
+                    <a:lumMod val="60000"/>
+                    <a:lumOff val="40000"/>
+                  </a:schemeClr>
+                </a:solidFill>
+              </a:rPr>
+              <a:t> </a:t>
+            </a:r>
+            <a:r>
+              <a:rPr lang="en-US" dirty="0" err="1" smtClean="0">
+                <a:solidFill>
+                  <a:schemeClr val="accent1">
+                    <a:lumMod val="60000"/>
+                    <a:lumOff val="40000"/>
+                  </a:schemeClr>
+                </a:solidFill>
+              </a:rPr>
+              <a:t>st</a:t>
+            </a:r>
+            <a:r>
+              <a:rPr lang="en-US" dirty="0" smtClean="0">
+                <a:solidFill>
+                  <a:schemeClr val="accent1">
+                    <a:lumMod val="60000"/>
+                    <a:lumOff val="40000"/>
+                  </a:schemeClr>
+                </a:solidFill>
+              </a:rPr>
+              <a:t>, </a:t>
+            </a:r>
+            <a:r>
+              <a:rPr lang="en-US" dirty="0" err="1">
+                <a:solidFill>
+                  <a:schemeClr val="accent1">
+                    <a:lumMod val="60000"/>
+                    <a:lumOff val="40000"/>
+                  </a:schemeClr>
+                </a:solidFill>
+              </a:rPr>
+              <a:t>ProtocolType</a:t>
+            </a:r>
+            <a:r>
+              <a:rPr lang="en-US" dirty="0">
+                <a:solidFill>
+                  <a:schemeClr val="accent1">
+                    <a:lumMod val="60000"/>
+                    <a:lumOff val="40000"/>
+                  </a:schemeClr>
+                </a:solidFill>
+              </a:rPr>
+              <a:t> </a:t>
+            </a:r>
+            <a:r>
+              <a:rPr lang="en-US" dirty="0" err="1" smtClean="0">
+                <a:solidFill>
+                  <a:schemeClr val="accent1">
+                    <a:lumMod val="60000"/>
+                    <a:lumOff val="40000"/>
+                  </a:schemeClr>
+                </a:solidFill>
+              </a:rPr>
+              <a:t>pt</a:t>
+            </a:r>
+            <a:r>
+              <a:rPr lang="en-US" dirty="0" smtClean="0">
+                <a:solidFill>
+                  <a:schemeClr val="accent1">
+                    <a:lumMod val="60000"/>
+                    <a:lumOff val="40000"/>
+                  </a:schemeClr>
+                </a:solidFill>
+              </a:rPr>
+              <a:t>);</a:t>
+            </a:r>
+            <a:endParaRPr lang="en-US" dirty="0">
+              <a:solidFill>
+                <a:schemeClr val="accent1">
+                  <a:lumMod val="60000"/>
+                  <a:lumOff val="40000"/>
+                </a:schemeClr>
+              </a:solidFill>
+            </a:endParaRPr>
+          </a:p>
+          <a:p>
+            <a:r>
+              <a:rPr lang="en-US" dirty="0" smtClean="0">
+                <a:solidFill>
+                  <a:schemeClr val="accent1">
+                    <a:lumMod val="60000"/>
+                    <a:lumOff val="40000"/>
+                  </a:schemeClr>
+                </a:solidFill>
+              </a:rPr>
+              <a:t>Socket </a:t>
+            </a:r>
+            <a:r>
+              <a:rPr lang="en-US" dirty="0"/>
+              <a:t>Accept</a:t>
+            </a:r>
+            <a:r>
+              <a:rPr lang="en-US" dirty="0">
+                <a:solidFill>
+                  <a:schemeClr val="accent1">
+                    <a:lumMod val="60000"/>
+                    <a:lumOff val="40000"/>
+                  </a:schemeClr>
+                </a:solidFill>
+              </a:rPr>
+              <a:t>();</a:t>
+            </a:r>
+          </a:p>
+          <a:p>
+            <a:r>
+              <a:rPr lang="en-US" dirty="0" smtClean="0">
+                <a:solidFill>
+                  <a:schemeClr val="accent1">
+                    <a:lumMod val="60000"/>
+                    <a:lumOff val="40000"/>
+                  </a:schemeClr>
+                </a:solidFill>
+              </a:rPr>
+              <a:t>void </a:t>
+            </a:r>
+            <a:r>
+              <a:rPr lang="en-US" dirty="0" smtClean="0"/>
+              <a:t>Bind</a:t>
+            </a:r>
+            <a:r>
+              <a:rPr lang="en-US" dirty="0" smtClean="0">
+                <a:solidFill>
+                  <a:schemeClr val="accent1">
+                    <a:lumMod val="60000"/>
+                    <a:lumOff val="40000"/>
+                  </a:schemeClr>
+                </a:solidFill>
+              </a:rPr>
+              <a:t>(</a:t>
+            </a:r>
+            <a:r>
+              <a:rPr lang="en-US" dirty="0" err="1" smtClean="0">
+                <a:solidFill>
+                  <a:schemeClr val="accent1">
+                    <a:lumMod val="60000"/>
+                    <a:lumOff val="40000"/>
+                  </a:schemeClr>
+                </a:solidFill>
+              </a:rPr>
+              <a:t>EndPoint</a:t>
+            </a:r>
+            <a:r>
+              <a:rPr lang="en-US" dirty="0" smtClean="0">
+                <a:solidFill>
+                  <a:schemeClr val="accent1">
+                    <a:lumMod val="60000"/>
+                    <a:lumOff val="40000"/>
+                  </a:schemeClr>
+                </a:solidFill>
+              </a:rPr>
+              <a:t> local);</a:t>
+            </a:r>
+            <a:endParaRPr lang="en-US" dirty="0">
+              <a:solidFill>
+                <a:schemeClr val="accent1">
+                  <a:lumMod val="60000"/>
+                  <a:lumOff val="40000"/>
+                </a:schemeClr>
+              </a:solidFill>
+            </a:endParaRPr>
+          </a:p>
+          <a:p>
+            <a:r>
+              <a:rPr lang="en-US" dirty="0" smtClean="0">
+                <a:solidFill>
+                  <a:schemeClr val="accent1">
+                    <a:lumMod val="60000"/>
+                    <a:lumOff val="40000"/>
+                  </a:schemeClr>
+                </a:solidFill>
+              </a:rPr>
+              <a:t>void </a:t>
+            </a:r>
+            <a:r>
+              <a:rPr lang="en-US" dirty="0"/>
+              <a:t>Connect</a:t>
+            </a:r>
+            <a:r>
+              <a:rPr lang="en-US" dirty="0">
+                <a:solidFill>
+                  <a:schemeClr val="accent1">
+                    <a:lumMod val="60000"/>
+                    <a:lumOff val="40000"/>
+                  </a:schemeClr>
+                </a:solidFill>
+              </a:rPr>
+              <a:t>(</a:t>
+            </a:r>
+            <a:r>
+              <a:rPr lang="en-US" dirty="0" err="1">
+                <a:solidFill>
+                  <a:schemeClr val="accent1">
+                    <a:lumMod val="60000"/>
+                    <a:lumOff val="40000"/>
+                  </a:schemeClr>
+                </a:solidFill>
+              </a:rPr>
+              <a:t>EndPoint</a:t>
+            </a:r>
+            <a:r>
+              <a:rPr lang="en-US" dirty="0">
+                <a:solidFill>
+                  <a:schemeClr val="accent1">
+                    <a:lumMod val="60000"/>
+                    <a:lumOff val="40000"/>
+                  </a:schemeClr>
+                </a:solidFill>
+              </a:rPr>
+              <a:t> </a:t>
+            </a:r>
+            <a:r>
+              <a:rPr lang="en-US" dirty="0" smtClean="0">
+                <a:solidFill>
+                  <a:schemeClr val="accent1">
+                    <a:lumMod val="60000"/>
+                    <a:lumOff val="40000"/>
+                  </a:schemeClr>
+                </a:solidFill>
+              </a:rPr>
+              <a:t>remote);</a:t>
+            </a:r>
+            <a:endParaRPr lang="en-US" dirty="0">
+              <a:solidFill>
+                <a:schemeClr val="accent1">
+                  <a:lumMod val="60000"/>
+                  <a:lumOff val="40000"/>
+                </a:schemeClr>
+              </a:solidFill>
+            </a:endParaRPr>
+          </a:p>
+          <a:p>
+            <a:r>
+              <a:rPr lang="en-US" dirty="0" smtClean="0">
+                <a:solidFill>
+                  <a:schemeClr val="accent1">
+                    <a:lumMod val="60000"/>
+                    <a:lumOff val="40000"/>
+                  </a:schemeClr>
+                </a:solidFill>
+              </a:rPr>
+              <a:t>void</a:t>
+            </a:r>
+            <a:r>
+              <a:rPr lang="en-US" dirty="0" smtClean="0"/>
+              <a:t> </a:t>
+            </a:r>
+            <a:r>
+              <a:rPr lang="en-US" dirty="0"/>
+              <a:t>Connect</a:t>
+            </a:r>
+            <a:r>
+              <a:rPr lang="en-US" dirty="0">
+                <a:solidFill>
+                  <a:schemeClr val="accent1">
+                    <a:lumMod val="60000"/>
+                    <a:lumOff val="40000"/>
+                  </a:schemeClr>
+                </a:solidFill>
+              </a:rPr>
+              <a:t>(string host, </a:t>
+            </a:r>
+            <a:r>
+              <a:rPr lang="en-US" dirty="0" err="1">
+                <a:solidFill>
+                  <a:schemeClr val="accent1">
+                    <a:lumMod val="60000"/>
+                    <a:lumOff val="40000"/>
+                  </a:schemeClr>
+                </a:solidFill>
+              </a:rPr>
+              <a:t>int</a:t>
+            </a:r>
+            <a:r>
+              <a:rPr lang="en-US" dirty="0">
+                <a:solidFill>
+                  <a:schemeClr val="accent1">
+                    <a:lumMod val="60000"/>
+                    <a:lumOff val="40000"/>
+                  </a:schemeClr>
+                </a:solidFill>
+              </a:rPr>
+              <a:t> port);</a:t>
+            </a:r>
+          </a:p>
+          <a:p>
+            <a:r>
+              <a:rPr lang="en-US" dirty="0" smtClean="0">
+                <a:solidFill>
+                  <a:schemeClr val="accent1">
+                    <a:lumMod val="60000"/>
+                    <a:lumOff val="40000"/>
+                  </a:schemeClr>
+                </a:solidFill>
+              </a:rPr>
+              <a:t>void</a:t>
+            </a:r>
+            <a:r>
+              <a:rPr lang="en-US" dirty="0" smtClean="0"/>
+              <a:t> </a:t>
+            </a:r>
+            <a:r>
+              <a:rPr lang="en-US" dirty="0"/>
+              <a:t>Dispose</a:t>
+            </a:r>
+            <a:r>
+              <a:rPr lang="en-US" dirty="0">
+                <a:solidFill>
+                  <a:schemeClr val="accent1">
+                    <a:lumMod val="60000"/>
+                    <a:lumOff val="40000"/>
+                  </a:schemeClr>
+                </a:solidFill>
+              </a:rPr>
+              <a:t>();</a:t>
+            </a:r>
+          </a:p>
+          <a:p>
+            <a:r>
+              <a:rPr lang="en-US" dirty="0" smtClean="0">
+                <a:solidFill>
+                  <a:schemeClr val="accent1">
+                    <a:lumMod val="60000"/>
+                    <a:lumOff val="40000"/>
+                  </a:schemeClr>
+                </a:solidFill>
+              </a:rPr>
+              <a:t>void</a:t>
+            </a:r>
+            <a:r>
+              <a:rPr lang="en-US" dirty="0" smtClean="0"/>
+              <a:t> </a:t>
+            </a:r>
+            <a:r>
+              <a:rPr lang="en-US" dirty="0"/>
+              <a:t>Listen</a:t>
+            </a:r>
+            <a:r>
+              <a:rPr lang="en-US" dirty="0">
+                <a:solidFill>
+                  <a:schemeClr val="accent1">
+                    <a:lumMod val="60000"/>
+                    <a:lumOff val="40000"/>
+                  </a:schemeClr>
+                </a:solidFill>
+              </a:rPr>
+              <a:t>(</a:t>
+            </a:r>
+            <a:r>
+              <a:rPr lang="en-US" dirty="0" err="1">
+                <a:solidFill>
+                  <a:schemeClr val="accent1">
+                    <a:lumMod val="60000"/>
+                    <a:lumOff val="40000"/>
+                  </a:schemeClr>
+                </a:solidFill>
+              </a:rPr>
+              <a:t>int</a:t>
+            </a:r>
+            <a:r>
+              <a:rPr lang="en-US" dirty="0">
+                <a:solidFill>
+                  <a:schemeClr val="accent1">
+                    <a:lumMod val="60000"/>
+                    <a:lumOff val="40000"/>
+                  </a:schemeClr>
+                </a:solidFill>
+              </a:rPr>
+              <a:t> backlog);</a:t>
+            </a:r>
+          </a:p>
+          <a:p>
+            <a:r>
+              <a:rPr lang="en-US" dirty="0" err="1" smtClean="0">
+                <a:solidFill>
+                  <a:schemeClr val="accent1">
+                    <a:lumMod val="60000"/>
+                    <a:lumOff val="40000"/>
+                  </a:schemeClr>
+                </a:solidFill>
+              </a:rPr>
+              <a:t>int</a:t>
+            </a:r>
+            <a:r>
+              <a:rPr lang="en-US" dirty="0" smtClean="0">
+                <a:solidFill>
+                  <a:schemeClr val="accent1">
+                    <a:lumMod val="60000"/>
+                    <a:lumOff val="40000"/>
+                  </a:schemeClr>
+                </a:solidFill>
+              </a:rPr>
+              <a:t> </a:t>
+            </a:r>
+            <a:r>
+              <a:rPr lang="en-US" dirty="0"/>
+              <a:t>Receive</a:t>
+            </a:r>
+            <a:r>
+              <a:rPr lang="en-US" dirty="0">
+                <a:solidFill>
+                  <a:schemeClr val="accent1">
+                    <a:lumMod val="60000"/>
+                    <a:lumOff val="40000"/>
+                  </a:schemeClr>
+                </a:solidFill>
+              </a:rPr>
+              <a:t>(byte[] buffer);</a:t>
+            </a:r>
+          </a:p>
+          <a:p>
+            <a:r>
+              <a:rPr lang="en-US" dirty="0" err="1" smtClean="0">
+                <a:solidFill>
+                  <a:schemeClr val="accent1">
+                    <a:lumMod val="60000"/>
+                    <a:lumOff val="40000"/>
+                  </a:schemeClr>
+                </a:solidFill>
+              </a:rPr>
+              <a:t>int</a:t>
+            </a:r>
+            <a:r>
+              <a:rPr lang="en-US" dirty="0" smtClean="0">
+                <a:solidFill>
+                  <a:schemeClr val="accent1">
+                    <a:lumMod val="60000"/>
+                    <a:lumOff val="40000"/>
+                  </a:schemeClr>
+                </a:solidFill>
+              </a:rPr>
+              <a:t> </a:t>
+            </a:r>
+            <a:r>
+              <a:rPr lang="en-US" dirty="0"/>
+              <a:t>Send</a:t>
+            </a:r>
+            <a:r>
+              <a:rPr lang="en-US" dirty="0">
+                <a:solidFill>
+                  <a:schemeClr val="accent1">
+                    <a:lumMod val="60000"/>
+                    <a:lumOff val="40000"/>
+                  </a:schemeClr>
+                </a:solidFill>
+              </a:rPr>
+              <a:t>(byte[] buffer);</a:t>
+            </a:r>
+          </a:p>
         </p:txBody>
       </p:sp>
     </p:spTree>
+    <p:extLst>
+      <p:ext uri="{BB962C8B-B14F-4D97-AF65-F5344CB8AC3E}">
+        <p14:creationId xmlns:p14="http://schemas.microsoft.com/office/powerpoint/2010/main" val="2041624324"/>
+      </p:ext>
+    </p:extLst>
   </p:cSld>
   <p:clrMapOvr>
     <a:masterClrMapping/>
@@ -4031,685 +4584,6 @@
         </p:nvSpPr>
         <p:spPr/>
         <p:txBody>
-          <a:bodyPr>
-            <a:normAutofit fontScale="90000"/>
-          </a:bodyPr>
-          <a:lstStyle/>
-          <a:p>
-            <a:r>
-              <a:rPr lang="en-US" dirty="0" smtClean="0"/>
-              <a:t>Methods of the Socket class</a:t>
-            </a:r>
-            <a:endParaRPr lang="en-US" dirty="0"/>
-          </a:p>
-        </p:txBody>
-      </p:sp>
-      <p:sp>
-        <p:nvSpPr>
-          <p:cNvPr id="3" name="Content Placeholder 2"/>
-          <p:cNvSpPr>
-            <a:spLocks noGrp="1"/>
-          </p:cNvSpPr>
-          <p:nvPr>
-            <p:ph idx="1"/>
-          </p:nvPr>
-        </p:nvSpPr>
-        <p:spPr/>
-        <p:txBody>
-          <a:bodyPr>
-            <a:normAutofit fontScale="85000" lnSpcReduction="20000"/>
-          </a:bodyPr>
-          <a:lstStyle/>
-          <a:p>
-            <a:r>
-              <a:rPr lang="en-US" dirty="0" smtClean="0"/>
-              <a:t>Socket</a:t>
-            </a:r>
-            <a:r>
-              <a:rPr lang="en-US" dirty="0" smtClean="0">
-                <a:solidFill>
-                  <a:schemeClr val="accent1">
-                    <a:lumMod val="60000"/>
-                    <a:lumOff val="40000"/>
-                  </a:schemeClr>
-                </a:solidFill>
-              </a:rPr>
-              <a:t>(</a:t>
-            </a:r>
-            <a:r>
-              <a:rPr lang="en-US" dirty="0" err="1" smtClean="0">
-                <a:solidFill>
-                  <a:schemeClr val="accent1">
-                    <a:lumMod val="60000"/>
-                    <a:lumOff val="40000"/>
-                  </a:schemeClr>
-                </a:solidFill>
-              </a:rPr>
-              <a:t>SocketInformation</a:t>
-            </a:r>
-            <a:r>
-              <a:rPr lang="en-US" dirty="0" smtClean="0">
-                <a:solidFill>
-                  <a:schemeClr val="accent1">
-                    <a:lumMod val="60000"/>
-                    <a:lumOff val="40000"/>
-                  </a:schemeClr>
-                </a:solidFill>
-              </a:rPr>
-              <a:t> </a:t>
-            </a:r>
-            <a:r>
-              <a:rPr lang="en-US" dirty="0" err="1" smtClean="0">
-                <a:solidFill>
-                  <a:schemeClr val="accent1">
-                    <a:lumMod val="60000"/>
-                    <a:lumOff val="40000"/>
-                  </a:schemeClr>
-                </a:solidFill>
-              </a:rPr>
-              <a:t>si</a:t>
-            </a:r>
-            <a:r>
-              <a:rPr lang="en-US" dirty="0" smtClean="0">
-                <a:solidFill>
-                  <a:schemeClr val="accent1">
-                    <a:lumMod val="60000"/>
-                    <a:lumOff val="40000"/>
-                  </a:schemeClr>
-                </a:solidFill>
-              </a:rPr>
-              <a:t>);</a:t>
-            </a:r>
-            <a:endParaRPr lang="en-US" dirty="0">
-              <a:solidFill>
-                <a:schemeClr val="accent1">
-                  <a:lumMod val="60000"/>
-                  <a:lumOff val="40000"/>
-                </a:schemeClr>
-              </a:solidFill>
-            </a:endParaRPr>
-          </a:p>
-          <a:p>
-            <a:r>
-              <a:rPr lang="en-US" dirty="0" smtClean="0"/>
-              <a:t>Socket</a:t>
-            </a:r>
-            <a:r>
-              <a:rPr lang="en-US" dirty="0" smtClean="0">
-                <a:solidFill>
-                  <a:schemeClr val="accent1">
-                    <a:lumMod val="60000"/>
-                    <a:lumOff val="40000"/>
-                  </a:schemeClr>
-                </a:solidFill>
-              </a:rPr>
-              <a:t>(</a:t>
-            </a:r>
-            <a:r>
-              <a:rPr lang="en-US" dirty="0" err="1" smtClean="0">
-                <a:solidFill>
-                  <a:schemeClr val="accent1">
-                    <a:lumMod val="60000"/>
-                    <a:lumOff val="40000"/>
-                  </a:schemeClr>
-                </a:solidFill>
-              </a:rPr>
-              <a:t>AddressFamily</a:t>
-            </a:r>
-            <a:r>
-              <a:rPr lang="en-US" dirty="0" smtClean="0">
-                <a:solidFill>
-                  <a:schemeClr val="accent1">
-                    <a:lumMod val="60000"/>
-                    <a:lumOff val="40000"/>
-                  </a:schemeClr>
-                </a:solidFill>
-              </a:rPr>
-              <a:t> </a:t>
-            </a:r>
-            <a:r>
-              <a:rPr lang="en-US" dirty="0" err="1" smtClean="0">
-                <a:solidFill>
-                  <a:schemeClr val="accent1">
-                    <a:lumMod val="60000"/>
-                    <a:lumOff val="40000"/>
-                  </a:schemeClr>
-                </a:solidFill>
-              </a:rPr>
-              <a:t>af</a:t>
-            </a:r>
-            <a:r>
-              <a:rPr lang="en-US" dirty="0" smtClean="0">
-                <a:solidFill>
-                  <a:schemeClr val="accent1">
-                    <a:lumMod val="60000"/>
-                    <a:lumOff val="40000"/>
-                  </a:schemeClr>
-                </a:solidFill>
-              </a:rPr>
-              <a:t>, </a:t>
-            </a:r>
-            <a:r>
-              <a:rPr lang="en-US" dirty="0" err="1">
-                <a:solidFill>
-                  <a:schemeClr val="accent1">
-                    <a:lumMod val="60000"/>
-                    <a:lumOff val="40000"/>
-                  </a:schemeClr>
-                </a:solidFill>
-              </a:rPr>
-              <a:t>SocketType</a:t>
-            </a:r>
-            <a:r>
-              <a:rPr lang="en-US" dirty="0">
-                <a:solidFill>
-                  <a:schemeClr val="accent1">
-                    <a:lumMod val="60000"/>
-                    <a:lumOff val="40000"/>
-                  </a:schemeClr>
-                </a:solidFill>
-              </a:rPr>
-              <a:t> </a:t>
-            </a:r>
-            <a:r>
-              <a:rPr lang="en-US" dirty="0" err="1" smtClean="0">
-                <a:solidFill>
-                  <a:schemeClr val="accent1">
-                    <a:lumMod val="60000"/>
-                    <a:lumOff val="40000"/>
-                  </a:schemeClr>
-                </a:solidFill>
-              </a:rPr>
-              <a:t>st</a:t>
-            </a:r>
-            <a:r>
-              <a:rPr lang="en-US" dirty="0" smtClean="0">
-                <a:solidFill>
-                  <a:schemeClr val="accent1">
-                    <a:lumMod val="60000"/>
-                    <a:lumOff val="40000"/>
-                  </a:schemeClr>
-                </a:solidFill>
-              </a:rPr>
-              <a:t>, </a:t>
-            </a:r>
-            <a:r>
-              <a:rPr lang="en-US" dirty="0" err="1">
-                <a:solidFill>
-                  <a:schemeClr val="accent1">
-                    <a:lumMod val="60000"/>
-                    <a:lumOff val="40000"/>
-                  </a:schemeClr>
-                </a:solidFill>
-              </a:rPr>
-              <a:t>ProtocolType</a:t>
-            </a:r>
-            <a:r>
-              <a:rPr lang="en-US" dirty="0">
-                <a:solidFill>
-                  <a:schemeClr val="accent1">
-                    <a:lumMod val="60000"/>
-                    <a:lumOff val="40000"/>
-                  </a:schemeClr>
-                </a:solidFill>
-              </a:rPr>
-              <a:t> </a:t>
-            </a:r>
-            <a:r>
-              <a:rPr lang="en-US" dirty="0" err="1" smtClean="0">
-                <a:solidFill>
-                  <a:schemeClr val="accent1">
-                    <a:lumMod val="60000"/>
-                    <a:lumOff val="40000"/>
-                  </a:schemeClr>
-                </a:solidFill>
-              </a:rPr>
-              <a:t>pt</a:t>
-            </a:r>
-            <a:r>
-              <a:rPr lang="en-US" dirty="0" smtClean="0">
-                <a:solidFill>
-                  <a:schemeClr val="accent1">
-                    <a:lumMod val="60000"/>
-                    <a:lumOff val="40000"/>
-                  </a:schemeClr>
-                </a:solidFill>
-              </a:rPr>
-              <a:t>);</a:t>
-            </a:r>
-            <a:endParaRPr lang="en-US" dirty="0">
-              <a:solidFill>
-                <a:schemeClr val="accent1">
-                  <a:lumMod val="60000"/>
-                  <a:lumOff val="40000"/>
-                </a:schemeClr>
-              </a:solidFill>
-            </a:endParaRPr>
-          </a:p>
-          <a:p>
-            <a:r>
-              <a:rPr lang="en-US" dirty="0" smtClean="0">
-                <a:solidFill>
-                  <a:schemeClr val="accent1">
-                    <a:lumMod val="60000"/>
-                    <a:lumOff val="40000"/>
-                  </a:schemeClr>
-                </a:solidFill>
-              </a:rPr>
-              <a:t>Socket </a:t>
-            </a:r>
-            <a:r>
-              <a:rPr lang="en-US" dirty="0"/>
-              <a:t>Accept</a:t>
-            </a:r>
-            <a:r>
-              <a:rPr lang="en-US" dirty="0">
-                <a:solidFill>
-                  <a:schemeClr val="accent1">
-                    <a:lumMod val="60000"/>
-                    <a:lumOff val="40000"/>
-                  </a:schemeClr>
-                </a:solidFill>
-              </a:rPr>
-              <a:t>();</a:t>
-            </a:r>
-          </a:p>
-          <a:p>
-            <a:r>
-              <a:rPr lang="en-US" dirty="0" smtClean="0">
-                <a:solidFill>
-                  <a:schemeClr val="accent1">
-                    <a:lumMod val="60000"/>
-                    <a:lumOff val="40000"/>
-                  </a:schemeClr>
-                </a:solidFill>
-              </a:rPr>
-              <a:t>void </a:t>
-            </a:r>
-            <a:r>
-              <a:rPr lang="en-US" dirty="0" smtClean="0"/>
-              <a:t>Bind</a:t>
-            </a:r>
-            <a:r>
-              <a:rPr lang="en-US" dirty="0" smtClean="0">
-                <a:solidFill>
-                  <a:schemeClr val="accent1">
-                    <a:lumMod val="60000"/>
-                    <a:lumOff val="40000"/>
-                  </a:schemeClr>
-                </a:solidFill>
-              </a:rPr>
-              <a:t>(</a:t>
-            </a:r>
-            <a:r>
-              <a:rPr lang="en-US" dirty="0" err="1" smtClean="0">
-                <a:solidFill>
-                  <a:schemeClr val="accent1">
-                    <a:lumMod val="60000"/>
-                    <a:lumOff val="40000"/>
-                  </a:schemeClr>
-                </a:solidFill>
-              </a:rPr>
-              <a:t>EndPoint</a:t>
-            </a:r>
-            <a:r>
-              <a:rPr lang="en-US" dirty="0" smtClean="0">
-                <a:solidFill>
-                  <a:schemeClr val="accent1">
-                    <a:lumMod val="60000"/>
-                    <a:lumOff val="40000"/>
-                  </a:schemeClr>
-                </a:solidFill>
-              </a:rPr>
-              <a:t> local);</a:t>
-            </a:r>
-            <a:endParaRPr lang="en-US" dirty="0">
-              <a:solidFill>
-                <a:schemeClr val="accent1">
-                  <a:lumMod val="60000"/>
-                  <a:lumOff val="40000"/>
-                </a:schemeClr>
-              </a:solidFill>
-            </a:endParaRPr>
-          </a:p>
-          <a:p>
-            <a:r>
-              <a:rPr lang="en-US" dirty="0" smtClean="0">
-                <a:solidFill>
-                  <a:schemeClr val="accent1">
-                    <a:lumMod val="60000"/>
-                    <a:lumOff val="40000"/>
-                  </a:schemeClr>
-                </a:solidFill>
-              </a:rPr>
-              <a:t>void </a:t>
-            </a:r>
-            <a:r>
-              <a:rPr lang="en-US" dirty="0"/>
-              <a:t>Connect</a:t>
-            </a:r>
-            <a:r>
-              <a:rPr lang="en-US" dirty="0">
-                <a:solidFill>
-                  <a:schemeClr val="accent1">
-                    <a:lumMod val="60000"/>
-                    <a:lumOff val="40000"/>
-                  </a:schemeClr>
-                </a:solidFill>
-              </a:rPr>
-              <a:t>(</a:t>
-            </a:r>
-            <a:r>
-              <a:rPr lang="en-US" dirty="0" err="1">
-                <a:solidFill>
-                  <a:schemeClr val="accent1">
-                    <a:lumMod val="60000"/>
-                    <a:lumOff val="40000"/>
-                  </a:schemeClr>
-                </a:solidFill>
-              </a:rPr>
-              <a:t>EndPoint</a:t>
-            </a:r>
-            <a:r>
-              <a:rPr lang="en-US" dirty="0">
-                <a:solidFill>
-                  <a:schemeClr val="accent1">
-                    <a:lumMod val="60000"/>
-                    <a:lumOff val="40000"/>
-                  </a:schemeClr>
-                </a:solidFill>
-              </a:rPr>
-              <a:t> </a:t>
-            </a:r>
-            <a:r>
-              <a:rPr lang="en-US" dirty="0" smtClean="0">
-                <a:solidFill>
-                  <a:schemeClr val="accent1">
-                    <a:lumMod val="60000"/>
-                    <a:lumOff val="40000"/>
-                  </a:schemeClr>
-                </a:solidFill>
-              </a:rPr>
-              <a:t>remote);</a:t>
-            </a:r>
-            <a:endParaRPr lang="en-US" dirty="0">
-              <a:solidFill>
-                <a:schemeClr val="accent1">
-                  <a:lumMod val="60000"/>
-                  <a:lumOff val="40000"/>
-                </a:schemeClr>
-              </a:solidFill>
-            </a:endParaRPr>
-          </a:p>
-          <a:p>
-            <a:r>
-              <a:rPr lang="en-US" dirty="0" smtClean="0">
-                <a:solidFill>
-                  <a:schemeClr val="accent1">
-                    <a:lumMod val="60000"/>
-                    <a:lumOff val="40000"/>
-                  </a:schemeClr>
-                </a:solidFill>
-              </a:rPr>
-              <a:t>void</a:t>
-            </a:r>
-            <a:r>
-              <a:rPr lang="en-US" dirty="0" smtClean="0"/>
-              <a:t> </a:t>
-            </a:r>
-            <a:r>
-              <a:rPr lang="en-US" dirty="0"/>
-              <a:t>Connect</a:t>
-            </a:r>
-            <a:r>
-              <a:rPr lang="en-US" dirty="0">
-                <a:solidFill>
-                  <a:schemeClr val="accent1">
-                    <a:lumMod val="60000"/>
-                    <a:lumOff val="40000"/>
-                  </a:schemeClr>
-                </a:solidFill>
-              </a:rPr>
-              <a:t>(string host, </a:t>
-            </a:r>
-            <a:r>
-              <a:rPr lang="en-US" dirty="0" err="1">
-                <a:solidFill>
-                  <a:schemeClr val="accent1">
-                    <a:lumMod val="60000"/>
-                    <a:lumOff val="40000"/>
-                  </a:schemeClr>
-                </a:solidFill>
-              </a:rPr>
-              <a:t>int</a:t>
-            </a:r>
-            <a:r>
-              <a:rPr lang="en-US" dirty="0">
-                <a:solidFill>
-                  <a:schemeClr val="accent1">
-                    <a:lumMod val="60000"/>
-                    <a:lumOff val="40000"/>
-                  </a:schemeClr>
-                </a:solidFill>
-              </a:rPr>
-              <a:t> port);</a:t>
-            </a:r>
-          </a:p>
-          <a:p>
-            <a:r>
-              <a:rPr lang="en-US" dirty="0" smtClean="0">
-                <a:solidFill>
-                  <a:schemeClr val="accent1">
-                    <a:lumMod val="60000"/>
-                    <a:lumOff val="40000"/>
-                  </a:schemeClr>
-                </a:solidFill>
-              </a:rPr>
-              <a:t>void</a:t>
-            </a:r>
-            <a:r>
-              <a:rPr lang="en-US" dirty="0" smtClean="0"/>
-              <a:t> </a:t>
-            </a:r>
-            <a:r>
-              <a:rPr lang="en-US" dirty="0"/>
-              <a:t>Dispose</a:t>
-            </a:r>
-            <a:r>
-              <a:rPr lang="en-US" dirty="0">
-                <a:solidFill>
-                  <a:schemeClr val="accent1">
-                    <a:lumMod val="60000"/>
-                    <a:lumOff val="40000"/>
-                  </a:schemeClr>
-                </a:solidFill>
-              </a:rPr>
-              <a:t>();</a:t>
-            </a:r>
-          </a:p>
-          <a:p>
-            <a:r>
-              <a:rPr lang="en-US" dirty="0" smtClean="0">
-                <a:solidFill>
-                  <a:schemeClr val="accent1">
-                    <a:lumMod val="60000"/>
-                    <a:lumOff val="40000"/>
-                  </a:schemeClr>
-                </a:solidFill>
-              </a:rPr>
-              <a:t>void</a:t>
-            </a:r>
-            <a:r>
-              <a:rPr lang="en-US" dirty="0" smtClean="0"/>
-              <a:t> </a:t>
-            </a:r>
-            <a:r>
-              <a:rPr lang="en-US" dirty="0"/>
-              <a:t>Listen</a:t>
-            </a:r>
-            <a:r>
-              <a:rPr lang="en-US" dirty="0">
-                <a:solidFill>
-                  <a:schemeClr val="accent1">
-                    <a:lumMod val="60000"/>
-                    <a:lumOff val="40000"/>
-                  </a:schemeClr>
-                </a:solidFill>
-              </a:rPr>
-              <a:t>(</a:t>
-            </a:r>
-            <a:r>
-              <a:rPr lang="en-US" dirty="0" err="1">
-                <a:solidFill>
-                  <a:schemeClr val="accent1">
-                    <a:lumMod val="60000"/>
-                    <a:lumOff val="40000"/>
-                  </a:schemeClr>
-                </a:solidFill>
-              </a:rPr>
-              <a:t>int</a:t>
-            </a:r>
-            <a:r>
-              <a:rPr lang="en-US" dirty="0">
-                <a:solidFill>
-                  <a:schemeClr val="accent1">
-                    <a:lumMod val="60000"/>
-                    <a:lumOff val="40000"/>
-                  </a:schemeClr>
-                </a:solidFill>
-              </a:rPr>
-              <a:t> backlog);</a:t>
-            </a:r>
-          </a:p>
-          <a:p>
-            <a:r>
-              <a:rPr lang="en-US" dirty="0" err="1" smtClean="0">
-                <a:solidFill>
-                  <a:schemeClr val="accent1">
-                    <a:lumMod val="60000"/>
-                    <a:lumOff val="40000"/>
-                  </a:schemeClr>
-                </a:solidFill>
-              </a:rPr>
-              <a:t>int</a:t>
-            </a:r>
-            <a:r>
-              <a:rPr lang="en-US" dirty="0" smtClean="0">
-                <a:solidFill>
-                  <a:schemeClr val="accent1">
-                    <a:lumMod val="60000"/>
-                    <a:lumOff val="40000"/>
-                  </a:schemeClr>
-                </a:solidFill>
-              </a:rPr>
-              <a:t> </a:t>
-            </a:r>
-            <a:r>
-              <a:rPr lang="en-US" dirty="0"/>
-              <a:t>Receive</a:t>
-            </a:r>
-            <a:r>
-              <a:rPr lang="en-US" dirty="0">
-                <a:solidFill>
-                  <a:schemeClr val="accent1">
-                    <a:lumMod val="60000"/>
-                    <a:lumOff val="40000"/>
-                  </a:schemeClr>
-                </a:solidFill>
-              </a:rPr>
-              <a:t>(byte[] buffer);</a:t>
-            </a:r>
-          </a:p>
-          <a:p>
-            <a:r>
-              <a:rPr lang="en-US" dirty="0" err="1" smtClean="0">
-                <a:solidFill>
-                  <a:schemeClr val="accent1">
-                    <a:lumMod val="60000"/>
-                    <a:lumOff val="40000"/>
-                  </a:schemeClr>
-                </a:solidFill>
-              </a:rPr>
-              <a:t>int</a:t>
-            </a:r>
-            <a:r>
-              <a:rPr lang="en-US" dirty="0" smtClean="0">
-                <a:solidFill>
-                  <a:schemeClr val="accent1">
-                    <a:lumMod val="60000"/>
-                    <a:lumOff val="40000"/>
-                  </a:schemeClr>
-                </a:solidFill>
-              </a:rPr>
-              <a:t> </a:t>
-            </a:r>
-            <a:r>
-              <a:rPr lang="en-US" dirty="0"/>
-              <a:t>Send</a:t>
-            </a:r>
-            <a:r>
-              <a:rPr lang="en-US" dirty="0">
-                <a:solidFill>
-                  <a:schemeClr val="accent1">
-                    <a:lumMod val="60000"/>
-                    <a:lumOff val="40000"/>
-                  </a:schemeClr>
-                </a:solidFill>
-              </a:rPr>
-              <a:t>(byte[] buffer);</a:t>
-            </a:r>
-          </a:p>
-        </p:txBody>
-      </p:sp>
-    </p:spTree>
-    <p:extLst>
-      <p:ext uri="{BB962C8B-B14F-4D97-AF65-F5344CB8AC3E}">
-        <p14:creationId xmlns:p14="http://schemas.microsoft.com/office/powerpoint/2010/main" val="2041624324"/>
-      </p:ext>
-    </p:extLst>
-  </p:cSld>
-  <p:clrMapOvr>
-    <a:masterClrMapping/>
-  </p:clrMapOvr>
-  <p:timing>
-    <p:tnLst>
-      <p:par>
-        <p:cTn id="1" dur="indefinite" restart="never" nodeType="tmRoot"/>
-      </p:par>
-    </p:tnLst>
-  </p:timing>
-</p:sld>
-</file>
-
-<file path=ppt/slides/slide12.xml><?xml version="1.0" encoding="utf-8"?>
-<p:sld xmlns:a="http://schemas.openxmlformats.org/drawingml/2006/main" xmlns:r="http://schemas.openxmlformats.org/officeDocument/2006/relationships" xmlns:p="http://schemas.openxmlformats.org/presentationml/2006/main">
-  <p:cSld>
-    <p:spTree>
-      <p:nvGrpSpPr>
-        <p:cNvPr id="1" name=""/>
-        <p:cNvGrpSpPr/>
-        <p:nvPr/>
-      </p:nvGrpSpPr>
-      <p:grpSpPr>
-        <a:xfrm>
-          <a:off x="0" y="0"/>
-          <a:ext cx="0" cy="0"/>
-          <a:chOff x="0" y="0"/>
-          <a:chExt cx="0" cy="0"/>
-        </a:xfrm>
-      </p:grpSpPr>
-      <p:sp>
-        <p:nvSpPr>
-          <p:cNvPr id="2" name="Title 1"/>
-          <p:cNvSpPr>
-            <a:spLocks noGrp="1"/>
-          </p:cNvSpPr>
-          <p:nvPr>
-            <p:ph type="title"/>
-          </p:nvPr>
-        </p:nvSpPr>
-        <p:spPr/>
-        <p:txBody>
           <a:bodyPr/>
           <a:lstStyle/>
           <a:p>
@@ -5174,115 +5048,7 @@
 </p:sld>
 </file>
 
-<file path=ppt/slides/slide13.xml><?xml version="1.0" encoding="utf-8"?>
-<p:sld xmlns:a="http://schemas.openxmlformats.org/drawingml/2006/main" xmlns:r="http://schemas.openxmlformats.org/officeDocument/2006/relationships" xmlns:p="http://schemas.openxmlformats.org/presentationml/2006/main">
-  <p:cSld>
-    <p:spTree>
-      <p:nvGrpSpPr>
-        <p:cNvPr id="1" name=""/>
-        <p:cNvGrpSpPr/>
-        <p:nvPr/>
-      </p:nvGrpSpPr>
-      <p:grpSpPr>
-        <a:xfrm>
-          <a:off x="0" y="0"/>
-          <a:ext cx="0" cy="0"/>
-          <a:chOff x="0" y="0"/>
-          <a:chExt cx="0" cy="0"/>
-        </a:xfrm>
-      </p:grpSpPr>
-      <p:sp>
-        <p:nvSpPr>
-          <p:cNvPr id="2" name="Title 1"/>
-          <p:cNvSpPr>
-            <a:spLocks noGrp="1"/>
-          </p:cNvSpPr>
-          <p:nvPr>
-            <p:ph type="title"/>
-          </p:nvPr>
-        </p:nvSpPr>
-        <p:spPr/>
-        <p:txBody>
-          <a:bodyPr/>
-          <a:lstStyle/>
-          <a:p>
-            <a:r>
-              <a:rPr lang="en-US" dirty="0" smtClean="0"/>
-              <a:t>Degrees of Freedom</a:t>
-            </a:r>
-            <a:endParaRPr lang="en-US" dirty="0"/>
-          </a:p>
-        </p:txBody>
-      </p:sp>
-      <p:sp>
-        <p:nvSpPr>
-          <p:cNvPr id="3" name="Content Placeholder 2"/>
-          <p:cNvSpPr>
-            <a:spLocks noGrp="1"/>
-          </p:cNvSpPr>
-          <p:nvPr>
-            <p:ph idx="1"/>
-          </p:nvPr>
-        </p:nvSpPr>
-        <p:spPr/>
-        <p:txBody>
-          <a:bodyPr/>
-          <a:lstStyle/>
-          <a:p>
-            <a:r>
-              <a:rPr lang="en-US" dirty="0" smtClean="0"/>
-              <a:t>A copy can get out of sync</a:t>
-            </a:r>
-          </a:p>
-          <a:p>
-            <a:r>
-              <a:rPr lang="en-US" dirty="0" err="1" smtClean="0"/>
-              <a:t>Todo</a:t>
-            </a:r>
-            <a:r>
-              <a:rPr lang="en-US" dirty="0" smtClean="0"/>
-              <a:t> lists in OneNote</a:t>
-            </a:r>
-          </a:p>
-          <a:p>
-            <a:r>
-              <a:rPr lang="en-US" dirty="0" smtClean="0"/>
-              <a:t>View Models</a:t>
-            </a:r>
-          </a:p>
-          <a:p>
-            <a:r>
-              <a:rPr lang="en-US" dirty="0" smtClean="0"/>
-              <a:t>Message bus and </a:t>
-            </a:r>
-            <a:r>
-              <a:rPr lang="en-US" dirty="0" smtClean="0"/>
-              <a:t>Observer</a:t>
-            </a:r>
-          </a:p>
-          <a:p>
-            <a:r>
-              <a:rPr lang="en-US" smtClean="0"/>
-              <a:t>Domino programming</a:t>
-            </a:r>
-            <a:endParaRPr lang="en-US" dirty="0"/>
-          </a:p>
-        </p:txBody>
-      </p:sp>
-    </p:spTree>
-    <p:extLst>
-      <p:ext uri="{BB962C8B-B14F-4D97-AF65-F5344CB8AC3E}">
-        <p14:creationId xmlns:p14="http://schemas.microsoft.com/office/powerpoint/2010/main" val="2002987571"/>
-      </p:ext>
-    </p:extLst>
-  </p:cSld>
-  <p:clrMapOvr>
-    <a:masterClrMapping/>
-  </p:clrMapOvr>
-</p:sld>
-</file>
-
-<file path=ppt/slides/slide14.xml><?xml version="1.0" encoding="utf-8"?>
+<file path=ppt/slides/slide12.xml><?xml version="1.0" encoding="utf-8"?>
 <p:sld xmlns:a="http://schemas.openxmlformats.org/drawingml/2006/main" xmlns:r="http://schemas.openxmlformats.org/officeDocument/2006/relationships" xmlns:p="http://schemas.openxmlformats.org/presentationml/2006/main">
   <p:cSld>
     <p:spTree>
@@ -6476,6 +6242,39 @@
           <a:chExt cx="0" cy="0"/>
         </a:xfrm>
       </p:grpSpPr>
+      <p:pic>
+        <p:nvPicPr>
+          <p:cNvPr id="4098" name="Picture 2"/>
+          <p:cNvPicPr>
+            <a:picLocks noGrp="1" noChangeAspect="1" noChangeArrowheads="1"/>
+          </p:cNvPicPr>
+          <p:nvPr>
+            <p:ph idx="1"/>
+          </p:nvPr>
+        </p:nvPicPr>
+        <p:blipFill rotWithShape="1">
+          <a:blip r:embed="rId3" cstate="print"/>
+          <a:srcRect r="1639"/>
+          <a:stretch/>
+        </p:blipFill>
+        <p:spPr bwMode="auto">
+          <a:xfrm>
+            <a:off x="0" y="0"/>
+            <a:ext cx="9144000" cy="6851253"/>
+          </a:xfrm>
+          <a:prstGeom prst="rect">
+            <a:avLst/>
+          </a:prstGeom>
+          <a:noFill/>
+          <a:ln w="9525">
+            <a:noFill/>
+            <a:miter lim="800000"/>
+            <a:headEnd/>
+            <a:tailEnd/>
+          </a:ln>
+          <a:effectLst/>
+        </p:spPr>
+      </p:pic>
       <p:sp>
         <p:nvSpPr>
           <p:cNvPr id="2" name="Title 1"/>
@@ -6488,46 +6287,65 @@
         </p:nvSpPr>
         <p:spPr/>
         <p:txBody>
-          <a:bodyPr/>
+          <a:bodyPr>
+            <a:normAutofit/>
+          </a:bodyPr>
           <a:lstStyle/>
           <a:p>
             <a:r>
-              <a:rPr lang="en-US" dirty="0" smtClean="0"/>
-              <a:t>Builder</a:t>
-            </a:r>
-            <a:endParaRPr lang="en-US" dirty="0"/>
-          </a:p>
-        </p:txBody>
-      </p:sp>
-      <p:sp>
-        <p:nvSpPr>
-          <p:cNvPr id="3" name="Content Placeholder 2"/>
-          <p:cNvSpPr>
-            <a:spLocks noGrp="1"/>
-          </p:cNvSpPr>
-          <p:nvPr>
-            <p:ph idx="1"/>
-          </p:nvPr>
-        </p:nvSpPr>
-        <p:spPr/>
-        <p:txBody>
-          <a:bodyPr/>
-          <a:lstStyle/>
-          <a:p>
-            <a:endParaRPr lang="en-US"/>
+              <a:rPr lang="en-US" dirty="0" smtClean="0">
+                <a:ln w="18415" cmpd="sng">
+                  <a:solidFill>
+                    <a:srgbClr val="FFFFFF"/>
+                  </a:solidFill>
+                  <a:prstDash val="solid"/>
+                </a:ln>
+                <a:solidFill>
+                  <a:srgbClr val="FFFFFF"/>
+                </a:solidFill>
+                <a:effectLst>
+                  <a:outerShdw blurRad="63500" dir="3600000" algn="tl" rotWithShape="0">
+                    <a:srgbClr val="000000">
+                      <a:alpha val="70000"/>
+                    </a:srgbClr>
+                  </a:outerShdw>
+                </a:effectLst>
+              </a:rPr>
+              <a:t>Constructors</a:t>
+            </a:r>
+            <a:endParaRPr lang="en-US" dirty="0">
+              <a:ln w="18415" cmpd="sng">
+                <a:solidFill>
+                  <a:srgbClr val="FFFFFF"/>
+                </a:solidFill>
+                <a:prstDash val="solid"/>
+              </a:ln>
+              <a:solidFill>
+                <a:srgbClr val="FFFFFF"/>
+              </a:solidFill>
+              <a:effectLst>
+                <a:outerShdw blurRad="63500" dir="3600000" algn="tl" rotWithShape="0">
+                  <a:srgbClr val="000000">
+                    <a:alpha val="70000"/>
+                  </a:srgbClr>
+                </a:outerShdw>
+              </a:effectLst>
+            </a:endParaRPr>
           </a:p>
         </p:txBody>
       </p:sp>
     </p:spTree>
-    <p:extLst>
-      <p:ext uri="{BB962C8B-B14F-4D97-AF65-F5344CB8AC3E}">
-        <p14:creationId xmlns:p14="http://schemas.microsoft.com/office/powerpoint/2010/main" val="991743099"/>
-      </p:ext>
-    </p:extLst>
   </p:cSld>
   <p:clrMapOvr>
     <a:masterClrMapping/>
   </p:clrMapOvr>
+  <p:timing>
+    <p:tnLst>
+      <p:par>
+        <p:cTn id="1" dur="indefinite" restart="never" nodeType="tmRoot"/>
+      </p:par>
+    </p:tnLst>
+  </p:timing>
 </p:sld>
 </file>
 

--- a/Presentation/4 Ways to Prevent Code Abuse.pptx
+++ b/Presentation/4 Ways to Prevent Code Abuse.pptx
@@ -5,7 +5,7 @@
     <p:sldMasterId id="2147483660" r:id="rId1"/>
   </p:sldMasterIdLst>
   <p:notesMasterIdLst>
-    <p:notesMasterId r:id="rId14"/>
+    <p:notesMasterId r:id="rId15"/>
   </p:notesMasterIdLst>
   <p:sldIdLst>
     <p:sldId id="256" r:id="rId2"/>
@@ -20,6 +20,7 @@
     <p:sldId id="275" r:id="rId11"/>
     <p:sldId id="274" r:id="rId12"/>
     <p:sldId id="277" r:id="rId13"/>
+    <p:sldId id="280" r:id="rId14"/>
   </p:sldIdLst>
   <p:sldSz cx="9144000" cy="6858000" type="screen4x3"/>
   <p:notesSz cx="6858000" cy="9144000"/>
@@ -5161,6 +5162,140 @@
     <p:extLst>
       <p:ext uri="{BB962C8B-B14F-4D97-AF65-F5344CB8AC3E}">
         <p14:creationId xmlns:p14="http://schemas.microsoft.com/office/powerpoint/2010/main" val="2677557939"/>
+      </p:ext>
+    </p:extLst>
+  </p:cSld>
+  <p:clrMapOvr>
+    <a:masterClrMapping/>
+  </p:clrMapOvr>
+  <p:timing>
+    <p:tnLst>
+      <p:par>
+        <p:cTn id="1" dur="indefinite" restart="never" nodeType="tmRoot"/>
+      </p:par>
+    </p:tnLst>
+  </p:timing>
+</p:sld>
+</file>
+
+<file path=ppt/slides/slide13.xml><?xml version="1.0" encoding="utf-8"?>
+<p:sld xmlns:a="http://schemas.openxmlformats.org/drawingml/2006/main" xmlns:r="http://schemas.openxmlformats.org/officeDocument/2006/relationships" xmlns:p="http://schemas.openxmlformats.org/presentationml/2006/main">
+  <p:cSld>
+    <p:spTree>
+      <p:nvGrpSpPr>
+        <p:cNvPr id="1" name=""/>
+        <p:cNvGrpSpPr/>
+        <p:nvPr/>
+      </p:nvGrpSpPr>
+      <p:grpSpPr>
+        <a:xfrm>
+          <a:off x="0" y="0"/>
+          <a:ext cx="0" cy="0"/>
+          <a:chOff x="0" y="0"/>
+          <a:chExt cx="0" cy="0"/>
+        </a:xfrm>
+      </p:grpSpPr>
+      <p:sp>
+        <p:nvSpPr>
+          <p:cNvPr id="2" name="Title 1"/>
+          <p:cNvSpPr>
+            <a:spLocks noGrp="1"/>
+          </p:cNvSpPr>
+          <p:nvPr>
+            <p:ph type="title"/>
+          </p:nvPr>
+        </p:nvSpPr>
+        <p:spPr/>
+        <p:txBody>
+          <a:bodyPr/>
+          <a:lstStyle/>
+          <a:p>
+            <a:r>
+              <a:rPr lang="en-US" dirty="0" smtClean="0"/>
+              <a:t>Michael L Perry</a:t>
+            </a:r>
+            <a:endParaRPr lang="en-US" dirty="0"/>
+          </a:p>
+        </p:txBody>
+      </p:sp>
+      <p:sp>
+        <p:nvSpPr>
+          <p:cNvPr id="3" name="Content Placeholder 2"/>
+          <p:cNvSpPr>
+            <a:spLocks noGrp="1"/>
+          </p:cNvSpPr>
+          <p:nvPr>
+            <p:ph idx="1"/>
+          </p:nvPr>
+        </p:nvSpPr>
+        <p:spPr/>
+        <p:txBody>
+          <a:bodyPr/>
+          <a:lstStyle/>
+          <a:p>
+            <a:r>
+              <a:rPr lang="en-US" dirty="0" smtClean="0"/>
+              <a:t>qedcode.com</a:t>
+            </a:r>
+          </a:p>
+          <a:p>
+            <a:r>
+              <a:rPr lang="en-US" dirty="0" smtClean="0"/>
+              <a:t>@</a:t>
+            </a:r>
+            <a:r>
+              <a:rPr lang="en-US" dirty="0" err="1" smtClean="0"/>
+              <a:t>MichaelLPerry</a:t>
+            </a:r>
+            <a:endParaRPr lang="en-US" dirty="0"/>
+          </a:p>
+        </p:txBody>
+      </p:sp>
+      <p:pic>
+        <p:nvPicPr>
+          <p:cNvPr id="1027" name="Picture 3" descr="C:\Users\Michael\Documents\MVP\MVP Logo Kit With Enhancements\MVP_FullColor_ForScreen.png"/>
+          <p:cNvPicPr>
+            <a:picLocks noChangeAspect="1" noChangeArrowheads="1"/>
+          </p:cNvPicPr>
+          <p:nvPr/>
+        </p:nvPicPr>
+        <p:blipFill>
+          <a:blip r:embed="rId2" cstate="print">
+            <a:extLst>
+              <a:ext uri="{28A0092B-C50C-407E-A947-70E740481C1C}">
+                <a14:useLocalDpi xmlns:a14="http://schemas.microsoft.com/office/drawing/2010/main" val="0"/>
+              </a:ext>
+            </a:extLst>
+          </a:blip>
+          <a:srcRect/>
+          <a:stretch>
+            <a:fillRect/>
+          </a:stretch>
+        </p:blipFill>
+        <p:spPr bwMode="auto">
+          <a:xfrm>
+            <a:off x="7543800" y="4730836"/>
+            <a:ext cx="1209675" cy="1898563"/>
+          </a:xfrm>
+          <a:prstGeom prst="rect">
+            <a:avLst/>
+          </a:prstGeom>
+          <a:noFill/>
+          <a:extLst>
+            <a:ext uri="{909E8E84-426E-40DD-AFC4-6F175D3DCCD1}">
+              <a14:hiddenFill xmlns:a14="http://schemas.microsoft.com/office/drawing/2010/main">
+                <a:solidFill>
+                  <a:srgbClr val="FFFFFF"/>
+                </a:solidFill>
+              </a14:hiddenFill>
+            </a:ext>
+          </a:extLst>
+        </p:spPr>
+      </p:pic>
+    </p:spTree>
+    <p:extLst>
+      <p:ext uri="{BB962C8B-B14F-4D97-AF65-F5344CB8AC3E}">
+        <p14:creationId xmlns:p14="http://schemas.microsoft.com/office/powerpoint/2010/main" val="4221776609"/>
       </p:ext>
     </p:extLst>
   </p:cSld>

--- a/Presentation/4 Ways to Prevent Code Abuse.pptx
+++ b/Presentation/4 Ways to Prevent Code Abuse.pptx
@@ -5,7 +5,7 @@
     <p:sldMasterId id="2147483660" r:id="rId1"/>
   </p:sldMasterIdLst>
   <p:notesMasterIdLst>
-    <p:notesMasterId r:id="rId15"/>
+    <p:notesMasterId r:id="rId16"/>
   </p:notesMasterIdLst>
   <p:sldIdLst>
     <p:sldId id="256" r:id="rId2"/>
@@ -19,8 +19,9 @@
     <p:sldId id="263" r:id="rId10"/>
     <p:sldId id="275" r:id="rId11"/>
     <p:sldId id="274" r:id="rId12"/>
-    <p:sldId id="277" r:id="rId13"/>
-    <p:sldId id="280" r:id="rId14"/>
+    <p:sldId id="281" r:id="rId13"/>
+    <p:sldId id="277" r:id="rId14"/>
+    <p:sldId id="280" r:id="rId15"/>
   </p:sldIdLst>
   <p:sldSz cx="9144000" cy="6858000" type="screen4x3"/>
   <p:notesSz cx="6858000" cy="9144000"/>
@@ -205,7 +206,7 @@
             <a:fld id="{CF6EB8F4-F731-44EF-AF40-3FD2AB13EFEA}" type="datetimeFigureOut">
               <a:rPr lang="en-US" smtClean="0"/>
               <a:pPr/>
-              <a:t>5/17/2012</a:t>
+              <a:t>5/18/2012</a:t>
             </a:fld>
             <a:endParaRPr lang="en-US"/>
           </a:p>
@@ -1052,7 +1053,7 @@
             <a:fld id="{1D8BD707-D9CF-40AE-B4C6-C98DA3205C09}" type="datetimeFigureOut">
               <a:rPr lang="en-US" smtClean="0"/>
               <a:pPr/>
-              <a:t>5/17/2012</a:t>
+              <a:t>5/18/2012</a:t>
             </a:fld>
             <a:endParaRPr lang="en-US"/>
           </a:p>
@@ -1219,7 +1220,7 @@
             <a:fld id="{1D8BD707-D9CF-40AE-B4C6-C98DA3205C09}" type="datetimeFigureOut">
               <a:rPr lang="en-US" smtClean="0"/>
               <a:pPr/>
-              <a:t>5/17/2012</a:t>
+              <a:t>5/18/2012</a:t>
             </a:fld>
             <a:endParaRPr lang="en-US"/>
           </a:p>
@@ -1396,7 +1397,7 @@
             <a:fld id="{1D8BD707-D9CF-40AE-B4C6-C98DA3205C09}" type="datetimeFigureOut">
               <a:rPr lang="en-US" smtClean="0"/>
               <a:pPr/>
-              <a:t>5/17/2012</a:t>
+              <a:t>5/18/2012</a:t>
             </a:fld>
             <a:endParaRPr lang="en-US"/>
           </a:p>
@@ -1567,7 +1568,7 @@
             <a:fld id="{1D8BD707-D9CF-40AE-B4C6-C98DA3205C09}" type="datetimeFigureOut">
               <a:rPr lang="en-US" smtClean="0"/>
               <a:pPr/>
-              <a:t>5/17/2012</a:t>
+              <a:t>5/18/2012</a:t>
             </a:fld>
             <a:endParaRPr lang="en-US"/>
           </a:p>
@@ -1823,7 +1824,7 @@
             <a:fld id="{1D8BD707-D9CF-40AE-B4C6-C98DA3205C09}" type="datetimeFigureOut">
               <a:rPr lang="en-US" smtClean="0"/>
               <a:pPr/>
-              <a:t>5/17/2012</a:t>
+              <a:t>5/18/2012</a:t>
             </a:fld>
             <a:endParaRPr lang="en-US"/>
           </a:p>
@@ -2089,7 +2090,7 @@
             <a:fld id="{1D8BD707-D9CF-40AE-B4C6-C98DA3205C09}" type="datetimeFigureOut">
               <a:rPr lang="en-US" smtClean="0"/>
               <a:pPr/>
-              <a:t>5/17/2012</a:t>
+              <a:t>5/18/2012</a:t>
             </a:fld>
             <a:endParaRPr lang="en-US"/>
           </a:p>
@@ -2465,7 +2466,7 @@
             <a:fld id="{1D8BD707-D9CF-40AE-B4C6-C98DA3205C09}" type="datetimeFigureOut">
               <a:rPr lang="en-US" smtClean="0"/>
               <a:pPr/>
-              <a:t>5/17/2012</a:t>
+              <a:t>5/18/2012</a:t>
             </a:fld>
             <a:endParaRPr lang="en-US"/>
           </a:p>
@@ -2589,7 +2590,7 @@
             <a:fld id="{1D8BD707-D9CF-40AE-B4C6-C98DA3205C09}" type="datetimeFigureOut">
               <a:rPr lang="en-US" smtClean="0"/>
               <a:pPr/>
-              <a:t>5/17/2012</a:t>
+              <a:t>5/18/2012</a:t>
             </a:fld>
             <a:endParaRPr lang="en-US"/>
           </a:p>
@@ -2681,7 +2682,7 @@
             <a:fld id="{1D8BD707-D9CF-40AE-B4C6-C98DA3205C09}" type="datetimeFigureOut">
               <a:rPr lang="en-US" smtClean="0"/>
               <a:pPr/>
-              <a:t>5/17/2012</a:t>
+              <a:t>5/18/2012</a:t>
             </a:fld>
             <a:endParaRPr lang="en-US"/>
           </a:p>
@@ -2932,7 +2933,7 @@
             <a:fld id="{1D8BD707-D9CF-40AE-B4C6-C98DA3205C09}" type="datetimeFigureOut">
               <a:rPr lang="en-US" smtClean="0"/>
               <a:pPr/>
-              <a:t>5/17/2012</a:t>
+              <a:t>5/18/2012</a:t>
             </a:fld>
             <a:endParaRPr lang="en-US"/>
           </a:p>
@@ -3193,7 +3194,7 @@
             <a:fld id="{1D8BD707-D9CF-40AE-B4C6-C98DA3205C09}" type="datetimeFigureOut">
               <a:rPr lang="en-US" smtClean="0"/>
               <a:pPr/>
-              <a:t>5/17/2012</a:t>
+              <a:t>5/18/2012</a:t>
             </a:fld>
             <a:endParaRPr lang="en-US"/>
           </a:p>
@@ -3415,7 +3416,7 @@
             <a:fld id="{1D8BD707-D9CF-40AE-B4C6-C98DA3205C09}" type="datetimeFigureOut">
               <a:rPr lang="en-US" smtClean="0"/>
               <a:pPr/>
-              <a:t>5/17/2012</a:t>
+              <a:t>5/18/2012</a:t>
             </a:fld>
             <a:endParaRPr lang="en-US"/>
           </a:p>
@@ -5066,6 +5067,117 @@
           <a:chExt cx="0" cy="0"/>
         </a:xfrm>
       </p:grpSpPr>
+      <p:pic>
+        <p:nvPicPr>
+          <p:cNvPr id="1026" name="Picture 2" descr="C:\Users\dit3074\Pictures\Constraints\05_gx_carpool_lane_500.jpg"/>
+          <p:cNvPicPr>
+            <a:picLocks noChangeAspect="1" noChangeArrowheads="1"/>
+          </p:cNvPicPr>
+          <p:nvPr/>
+        </p:nvPicPr>
+        <p:blipFill rotWithShape="1">
+          <a:blip r:embed="rId2">
+            <a:extLst>
+              <a:ext uri="{28A0092B-C50C-407E-A947-70E740481C1C}">
+                <a14:useLocalDpi xmlns:a14="http://schemas.microsoft.com/office/drawing/2010/main" val="0"/>
+              </a:ext>
+            </a:extLst>
+          </a:blip>
+          <a:srcRect l="16464" r="-1"/>
+          <a:stretch/>
+        </p:blipFill>
+        <p:spPr bwMode="auto">
+          <a:xfrm>
+            <a:off x="0" y="-38100"/>
+            <a:ext cx="9144000" cy="6896100"/>
+          </a:xfrm>
+          <a:prstGeom prst="rect">
+            <a:avLst/>
+          </a:prstGeom>
+          <a:noFill/>
+          <a:extLst>
+            <a:ext uri="{909E8E84-426E-40DD-AFC4-6F175D3DCCD1}">
+              <a14:hiddenFill xmlns:a14="http://schemas.microsoft.com/office/drawing/2010/main">
+                <a:solidFill>
+                  <a:srgbClr val="FFFFFF"/>
+                </a:solidFill>
+              </a14:hiddenFill>
+            </a:ext>
+          </a:extLst>
+        </p:spPr>
+      </p:pic>
+      <p:sp>
+        <p:nvSpPr>
+          <p:cNvPr id="2" name="Title 1"/>
+          <p:cNvSpPr>
+            <a:spLocks noGrp="1"/>
+          </p:cNvSpPr>
+          <p:nvPr>
+            <p:ph type="title"/>
+          </p:nvPr>
+        </p:nvSpPr>
+        <p:spPr>
+          <a:xfrm>
+            <a:off x="457200" y="274638"/>
+            <a:ext cx="8458200" cy="1143000"/>
+          </a:xfrm>
+          <a:solidFill>
+            <a:schemeClr val="bg1">
+              <a:alpha val="26000"/>
+            </a:schemeClr>
+          </a:solidFill>
+        </p:spPr>
+        <p:txBody>
+          <a:bodyPr>
+            <a:noAutofit/>
+          </a:bodyPr>
+          <a:lstStyle/>
+          <a:p>
+            <a:r>
+              <a:rPr lang="en-US" sz="5400" dirty="0" smtClean="0"/>
+              <a:t>Paradox of Constraints</a:t>
+            </a:r>
+            <a:endParaRPr lang="en-US" sz="5400" dirty="0"/>
+          </a:p>
+        </p:txBody>
+      </p:sp>
+    </p:spTree>
+    <p:extLst>
+      <p:ext uri="{BB962C8B-B14F-4D97-AF65-F5344CB8AC3E}">
+        <p14:creationId xmlns:p14="http://schemas.microsoft.com/office/powerpoint/2010/main" val="3214154538"/>
+      </p:ext>
+    </p:extLst>
+  </p:cSld>
+  <p:clrMapOvr>
+    <a:masterClrMapping/>
+  </p:clrMapOvr>
+  <p:timing>
+    <p:tnLst>
+      <p:par>
+        <p:cTn id="1" dur="indefinite" restart="never" nodeType="tmRoot"/>
+      </p:par>
+    </p:tnLst>
+  </p:timing>
+</p:sld>
+</file>
+
+<file path=ppt/slides/slide13.xml><?xml version="1.0" encoding="utf-8"?>
+<p:sld xmlns:a="http://schemas.openxmlformats.org/drawingml/2006/main" xmlns:r="http://schemas.openxmlformats.org/officeDocument/2006/relationships" xmlns:p="http://schemas.openxmlformats.org/presentationml/2006/main">
+  <p:cSld>
+    <p:spTree>
+      <p:nvGrpSpPr>
+        <p:cNvPr id="1" name=""/>
+        <p:cNvGrpSpPr/>
+        <p:nvPr/>
+      </p:nvGrpSpPr>
+      <p:grpSpPr>
+        <a:xfrm>
+          <a:off x="0" y="0"/>
+          <a:ext cx="0" cy="0"/>
+          <a:chOff x="0" y="0"/>
+          <a:chExt cx="0" cy="0"/>
+        </a:xfrm>
+      </p:grpSpPr>
       <p:sp>
         <p:nvSpPr>
           <p:cNvPr id="2" name="Title 1"/>
@@ -5178,7 +5290,7 @@
 </p:sld>
 </file>
 
-<file path=ppt/slides/slide13.xml><?xml version="1.0" encoding="utf-8"?>
+<file path=ppt/slides/slide14.xml><?xml version="1.0" encoding="utf-8"?>
 <p:sld xmlns:a="http://schemas.openxmlformats.org/drawingml/2006/main" xmlns:r="http://schemas.openxmlformats.org/officeDocument/2006/relationships" xmlns:p="http://schemas.openxmlformats.org/presentationml/2006/main">
   <p:cSld>
     <p:spTree>
